--- a/LePl_Server.pptx
+++ b/LePl_Server.pptx
@@ -23991,19 +23991,24 @@
                   <a:schemeClr val="tx1"/>
                 </a:solidFill>
               </a:rPr>
-              <a:t>Coin</a:t>
-            </a:r>
-          </a:p>
-          <a:p>
-            <a:endParaRPr lang="en-US" altLang="ko-KR" sz="1400" dirty="0">
+              <a:t>COIN</a:t>
+            </a:r>
+            <a:endParaRPr lang="en-US" altLang="ko-KR" sz="1300" b="1" dirty="0">
               <a:solidFill>
                 <a:schemeClr val="tx1"/>
               </a:solidFill>
             </a:endParaRPr>
           </a:p>
           <a:p>
-            <a:r>
-              <a:rPr lang="en-US" altLang="ko-KR" sz="1350" dirty="0">
+            <a:endParaRPr lang="en-US" altLang="ko-KR" sz="1300" dirty="0">
+              <a:solidFill>
+                <a:schemeClr val="tx1"/>
+              </a:solidFill>
+            </a:endParaRPr>
+          </a:p>
+          <a:p>
+            <a:r>
+              <a:rPr lang="en-US" altLang="ko-KR" sz="1300" dirty="0">
                 <a:solidFill>
                   <a:schemeClr val="tx1"/>
                 </a:solidFill>
@@ -24013,14 +24018,14 @@
           </a:p>
           <a:p>
             <a:r>
-              <a:rPr lang="en-US" altLang="ko-KR" sz="1350" b="1" dirty="0">
+              <a:rPr lang="en-US" altLang="ko-KR" sz="1300" b="1" dirty="0">
                 <a:solidFill>
                   <a:schemeClr val="tx1"/>
                 </a:solidFill>
               </a:rPr>
               <a:t>character : CHARACTIER</a:t>
             </a:r>
-            <a:endParaRPr lang="ko-KR" altLang="en-US" sz="1350" b="1" dirty="0">
+            <a:endParaRPr lang="ko-KR" altLang="en-US" sz="1300" b="1" dirty="0">
               <a:solidFill>
                 <a:schemeClr val="tx1"/>
               </a:solidFill>
@@ -24028,7 +24033,7 @@
           </a:p>
           <a:p>
             <a:r>
-              <a:rPr lang="en-US" altLang="ko-KR" sz="1350" dirty="0" err="1">
+              <a:rPr lang="en-US" altLang="ko-KR" sz="1300" dirty="0" err="1">
                 <a:solidFill>
                   <a:schemeClr val="tx1"/>
                 </a:solidFill>
@@ -24036,14 +24041,14 @@
               <a:t>coin_all</a:t>
             </a:r>
             <a:r>
-              <a:rPr lang="en-US" altLang="ko-KR" sz="1350" dirty="0">
+              <a:rPr lang="en-US" altLang="ko-KR" sz="1300" dirty="0">
                 <a:solidFill>
                   <a:schemeClr val="tx1"/>
                 </a:solidFill>
               </a:rPr>
               <a:t> : Long </a:t>
             </a:r>
-            <a:endParaRPr lang="ko-KR" altLang="en-US" sz="1350" dirty="0">
+            <a:endParaRPr lang="ko-KR" altLang="en-US" sz="1300" dirty="0">
               <a:solidFill>
                 <a:schemeClr val="tx1"/>
               </a:solidFill>
@@ -24162,19 +24167,24 @@
                   <a:schemeClr val="tx1"/>
                 </a:solidFill>
               </a:rPr>
-              <a:t>Exp</a:t>
-            </a:r>
-          </a:p>
-          <a:p>
-            <a:endParaRPr lang="en-US" altLang="ko-KR" sz="1400" dirty="0">
+              <a:t>EXP</a:t>
+            </a:r>
+            <a:endParaRPr lang="en-US" altLang="ko-KR" sz="1300" b="1" dirty="0">
               <a:solidFill>
                 <a:schemeClr val="tx1"/>
               </a:solidFill>
             </a:endParaRPr>
           </a:p>
           <a:p>
-            <a:r>
-              <a:rPr lang="en-US" altLang="ko-KR" sz="1350" dirty="0">
+            <a:endParaRPr lang="en-US" altLang="ko-KR" sz="1300" dirty="0">
+              <a:solidFill>
+                <a:schemeClr val="tx1"/>
+              </a:solidFill>
+            </a:endParaRPr>
+          </a:p>
+          <a:p>
+            <a:r>
+              <a:rPr lang="en-US" altLang="ko-KR" sz="1300" dirty="0">
                 <a:solidFill>
                   <a:schemeClr val="tx1"/>
                 </a:solidFill>
@@ -24184,14 +24194,14 @@
           </a:p>
           <a:p>
             <a:r>
-              <a:rPr lang="en-US" altLang="ko-KR" sz="1350" b="1" dirty="0">
+              <a:rPr lang="en-US" altLang="ko-KR" sz="1300" b="1" dirty="0">
                 <a:solidFill>
                   <a:schemeClr val="tx1"/>
                 </a:solidFill>
               </a:rPr>
               <a:t>character : CHARACTIER</a:t>
             </a:r>
-            <a:endParaRPr lang="ko-KR" altLang="en-US" sz="1350" b="1" dirty="0">
+            <a:endParaRPr lang="ko-KR" altLang="en-US" sz="1300" b="1" dirty="0">
               <a:solidFill>
                 <a:schemeClr val="tx1"/>
               </a:solidFill>
@@ -24199,7 +24209,7 @@
           </a:p>
           <a:p>
             <a:r>
-              <a:rPr lang="en-US" altLang="ko-KR" sz="1350" dirty="0" err="1">
+              <a:rPr lang="en-US" altLang="ko-KR" sz="1300" dirty="0" err="1">
                 <a:solidFill>
                   <a:schemeClr val="tx1"/>
                 </a:solidFill>
@@ -24207,14 +24217,14 @@
               <a:t>exp_all</a:t>
             </a:r>
             <a:r>
-              <a:rPr lang="en-US" altLang="ko-KR" sz="1350" dirty="0">
+              <a:rPr lang="en-US" altLang="ko-KR" sz="1300" dirty="0">
                 <a:solidFill>
                   <a:schemeClr val="tx1"/>
                 </a:solidFill>
               </a:rPr>
               <a:t> : Long </a:t>
             </a:r>
-            <a:endParaRPr lang="ko-KR" altLang="en-US" sz="1350" dirty="0">
+            <a:endParaRPr lang="ko-KR" altLang="en-US" sz="1300" dirty="0">
               <a:solidFill>
                 <a:schemeClr val="tx1"/>
               </a:solidFill>
@@ -24297,17 +24307,22 @@
               </a:rPr>
               <a:t>ITEM</a:t>
             </a:r>
-          </a:p>
-          <a:p>
-            <a:endParaRPr lang="en-US" altLang="ko-KR" sz="1400" dirty="0">
+            <a:endParaRPr lang="en-US" altLang="ko-KR" sz="1300" b="1" dirty="0">
               <a:solidFill>
                 <a:schemeClr val="tx1"/>
               </a:solidFill>
             </a:endParaRPr>
           </a:p>
           <a:p>
-            <a:r>
-              <a:rPr lang="en-US" altLang="ko-KR" sz="1350" dirty="0">
+            <a:endParaRPr lang="en-US" altLang="ko-KR" sz="1300" dirty="0">
+              <a:solidFill>
+                <a:schemeClr val="tx1"/>
+              </a:solidFill>
+            </a:endParaRPr>
+          </a:p>
+          <a:p>
+            <a:r>
+              <a:rPr lang="en-US" altLang="ko-KR" sz="1300" dirty="0">
                 <a:solidFill>
                   <a:schemeClr val="tx1"/>
                 </a:solidFill>
@@ -24317,14 +24332,14 @@
           </a:p>
           <a:p>
             <a:r>
-              <a:rPr lang="en-US" altLang="ko-KR" sz="1350" b="1" dirty="0">
+              <a:rPr lang="en-US" altLang="ko-KR" sz="1300" b="1" dirty="0">
                 <a:solidFill>
                   <a:schemeClr val="tx1"/>
                 </a:solidFill>
               </a:rPr>
               <a:t>character : CHARACTIER</a:t>
             </a:r>
-            <a:endParaRPr lang="ko-KR" altLang="en-US" sz="1350" b="1" dirty="0">
+            <a:endParaRPr lang="ko-KR" altLang="en-US" sz="1300" b="1" dirty="0">
               <a:solidFill>
                 <a:schemeClr val="tx1"/>
               </a:solidFill>
@@ -24332,7 +24347,7 @@
           </a:p>
           <a:p>
             <a:r>
-              <a:rPr lang="en-US" altLang="ko-KR" sz="1350" dirty="0" err="1">
+              <a:rPr lang="en-US" altLang="ko-KR" sz="1300" dirty="0" err="1">
                 <a:solidFill>
                   <a:schemeClr val="tx1"/>
                 </a:solidFill>
@@ -24340,7 +24355,7 @@
               <a:t>item_id</a:t>
             </a:r>
             <a:r>
-              <a:rPr lang="en-US" altLang="ko-KR" sz="1350" dirty="0">
+              <a:rPr lang="en-US" altLang="ko-KR" sz="1300" dirty="0">
                 <a:solidFill>
                   <a:schemeClr val="tx1"/>
                 </a:solidFill>
@@ -24350,7 +24365,7 @@
           </a:p>
           <a:p>
             <a:r>
-              <a:rPr lang="en-US" altLang="ko-KR" sz="1350" dirty="0" err="1">
+              <a:rPr lang="en-US" altLang="ko-KR" sz="1300" dirty="0" err="1">
                 <a:solidFill>
                   <a:schemeClr val="tx1"/>
                 </a:solidFill>
@@ -24358,7 +24373,7 @@
               <a:t>wearing_status</a:t>
             </a:r>
             <a:r>
-              <a:rPr lang="en-US" altLang="ko-KR" sz="1350" dirty="0">
+              <a:rPr lang="en-US" altLang="ko-KR" sz="1300" dirty="0">
                 <a:solidFill>
                   <a:schemeClr val="tx1"/>
                 </a:solidFill>
@@ -24420,8 +24435,8 @@
         </p:nvSpPr>
         <p:spPr>
           <a:xfrm>
-            <a:off x="2747077" y="2853259"/>
-            <a:ext cx="2057704" cy="1713722"/>
+            <a:off x="2747077" y="2787940"/>
+            <a:ext cx="2057704" cy="1857851"/>
           </a:xfrm>
           <a:prstGeom prst="rect">
             <a:avLst/>
@@ -24481,17 +24496,22 @@
               </a:rPr>
               <a:t>CHARACTER</a:t>
             </a:r>
-          </a:p>
-          <a:p>
-            <a:endParaRPr lang="en-US" altLang="ko-KR" sz="1400" b="1" dirty="0">
+            <a:endParaRPr lang="en-US" altLang="ko-KR" sz="1300" b="1" dirty="0">
               <a:solidFill>
                 <a:schemeClr val="tx1"/>
               </a:solidFill>
             </a:endParaRPr>
           </a:p>
           <a:p>
-            <a:r>
-              <a:rPr lang="en-US" altLang="ko-KR" sz="1400" dirty="0">
+            <a:endParaRPr lang="en-US" altLang="ko-KR" sz="1300" b="1" dirty="0">
+              <a:solidFill>
+                <a:schemeClr val="tx1"/>
+              </a:solidFill>
+            </a:endParaRPr>
+          </a:p>
+          <a:p>
+            <a:r>
+              <a:rPr lang="en-US" altLang="ko-KR" sz="1300" dirty="0">
                 <a:solidFill>
                   <a:schemeClr val="tx1"/>
                 </a:solidFill>
@@ -24501,7 +24521,7 @@
           </a:p>
           <a:p>
             <a:r>
-              <a:rPr lang="en-US" altLang="ko-KR" sz="1400" dirty="0">
+              <a:rPr lang="en-US" altLang="ko-KR" sz="1300" dirty="0">
                 <a:solidFill>
                   <a:schemeClr val="tx1"/>
                 </a:solidFill>
@@ -24511,7 +24531,7 @@
           </a:p>
           <a:p>
             <a:r>
-              <a:rPr lang="en-US" altLang="ko-KR" sz="1400" b="1" dirty="0">
+              <a:rPr lang="en-US" altLang="ko-KR" sz="1300" b="1" dirty="0">
                 <a:solidFill>
                   <a:schemeClr val="tx1"/>
                 </a:solidFill>
@@ -24521,7 +24541,7 @@
           </a:p>
           <a:p>
             <a:r>
-              <a:rPr lang="en-US" altLang="ko-KR" sz="1400" b="1" dirty="0">
+              <a:rPr lang="en-US" altLang="ko-KR" sz="1300" b="1" dirty="0">
                 <a:solidFill>
                   <a:schemeClr val="tx1"/>
                 </a:solidFill>
@@ -24531,12 +24551,28 @@
           </a:p>
           <a:p>
             <a:r>
-              <a:rPr lang="en-US" altLang="ko-KR" sz="1400" b="1" dirty="0">
+              <a:rPr lang="en-US" altLang="ko-KR" sz="1300" b="1" dirty="0">
                 <a:solidFill>
                   <a:schemeClr val="tx1"/>
                 </a:solidFill>
               </a:rPr>
-              <a:t>item : ITEM</a:t>
+              <a:t>item : </a:t>
+            </a:r>
+            <a:r>
+              <a:rPr lang="en-US" altLang="ko-KR" sz="1300" b="1" dirty="0" err="1">
+                <a:solidFill>
+                  <a:schemeClr val="tx1"/>
+                </a:solidFill>
+              </a:rPr>
+              <a:t>ArrayList</a:t>
+            </a:r>
+            <a:r>
+              <a:rPr lang="en-US" altLang="ko-KR" sz="1300" b="1" dirty="0">
+                <a:solidFill>
+                  <a:schemeClr val="tx1"/>
+                </a:solidFill>
+              </a:rPr>
+              <a:t>&lt;ITEM&gt;</a:t>
             </a:r>
           </a:p>
         </p:txBody>
@@ -24557,7 +24593,7 @@
         </p:nvCxnSpPr>
         <p:spPr>
           <a:xfrm>
-            <a:off x="2745327" y="3367222"/>
+            <a:off x="2745327" y="3304192"/>
             <a:ext cx="2059454" cy="0"/>
           </a:xfrm>
           <a:prstGeom prst="line">
@@ -24593,8 +24629,8 @@
         </p:nvSpPr>
         <p:spPr>
           <a:xfrm>
-            <a:off x="5255297" y="2780608"/>
-            <a:ext cx="1582721" cy="1836925"/>
+            <a:off x="5226873" y="2780608"/>
+            <a:ext cx="1611145" cy="1836925"/>
           </a:xfrm>
           <a:prstGeom prst="rect">
             <a:avLst/>
@@ -24654,17 +24690,22 @@
               </a:rPr>
               <a:t>MEMBER</a:t>
             </a:r>
-          </a:p>
-          <a:p>
-            <a:endParaRPr lang="en-US" altLang="ko-KR" sz="1400" dirty="0">
+            <a:endParaRPr lang="en-US" altLang="ko-KR" sz="1300" b="1" dirty="0">
               <a:solidFill>
                 <a:schemeClr val="tx1"/>
               </a:solidFill>
             </a:endParaRPr>
           </a:p>
           <a:p>
-            <a:r>
-              <a:rPr lang="en-US" altLang="ko-KR" sz="1350" dirty="0">
+            <a:endParaRPr lang="en-US" altLang="ko-KR" sz="1300" dirty="0">
+              <a:solidFill>
+                <a:schemeClr val="tx1"/>
+              </a:solidFill>
+            </a:endParaRPr>
+          </a:p>
+          <a:p>
+            <a:r>
+              <a:rPr lang="en-US" altLang="ko-KR" sz="1300" dirty="0">
                 <a:solidFill>
                   <a:schemeClr val="tx1"/>
                 </a:solidFill>
@@ -24674,7 +24715,7 @@
           </a:p>
           <a:p>
             <a:r>
-              <a:rPr lang="en-US" altLang="ko-KR" sz="1350" dirty="0">
+              <a:rPr lang="en-US" altLang="ko-KR" sz="1300" dirty="0">
                 <a:solidFill>
                   <a:schemeClr val="tx1"/>
                 </a:solidFill>
@@ -24684,7 +24725,7 @@
           </a:p>
           <a:p>
             <a:r>
-              <a:rPr lang="en-US" altLang="ko-KR" sz="1350" b="1" dirty="0">
+              <a:rPr lang="en-US" altLang="ko-KR" sz="1300" b="1" dirty="0">
                 <a:solidFill>
                   <a:schemeClr val="tx1"/>
                 </a:solidFill>
@@ -24694,14 +24735,30 @@
           </a:p>
           <a:p>
             <a:r>
-              <a:rPr lang="en-US" altLang="ko-KR" sz="1350" b="1" dirty="0">
+              <a:rPr lang="en-US" altLang="ko-KR" sz="1300" b="1" dirty="0">
                 <a:solidFill>
                   <a:schemeClr val="tx1"/>
                 </a:solidFill>
               </a:rPr>
-              <a:t>lists : LISTS</a:t>
-            </a:r>
-            <a:endParaRPr lang="ko-KR" altLang="en-US" sz="1350" b="1" dirty="0">
+              <a:t>lists : </a:t>
+            </a:r>
+            <a:r>
+              <a:rPr lang="en-US" altLang="ko-KR" sz="1300" b="1" dirty="0" err="1">
+                <a:solidFill>
+                  <a:schemeClr val="tx1"/>
+                </a:solidFill>
+              </a:rPr>
+              <a:t>ArrayList</a:t>
+            </a:r>
+            <a:r>
+              <a:rPr lang="en-US" altLang="ko-KR" sz="1300" b="1" dirty="0">
+                <a:solidFill>
+                  <a:schemeClr val="tx1"/>
+                </a:solidFill>
+              </a:rPr>
+              <a:t>&lt;LISTS&gt;</a:t>
+            </a:r>
+            <a:endParaRPr lang="ko-KR" altLang="en-US" sz="1300" b="1" dirty="0">
               <a:solidFill>
                 <a:schemeClr val="tx1"/>
               </a:solidFill>
@@ -24725,8 +24782,8 @@
         </p:nvCxnSpPr>
         <p:spPr>
           <a:xfrm flipV="1">
-            <a:off x="5255169" y="3343700"/>
-            <a:ext cx="1582849" cy="7333"/>
+            <a:off x="5233482" y="3198147"/>
+            <a:ext cx="1604536" cy="7333"/>
           </a:xfrm>
           <a:prstGeom prst="line">
             <a:avLst/>
@@ -24761,8 +24818,8 @@
         </p:nvSpPr>
         <p:spPr>
           <a:xfrm>
-            <a:off x="5233482" y="5643965"/>
-            <a:ext cx="1626352" cy="891841"/>
+            <a:off x="5151594" y="5643965"/>
+            <a:ext cx="1819747" cy="891841"/>
           </a:xfrm>
           <a:prstGeom prst="rect">
             <a:avLst/>
@@ -24822,17 +24879,22 @@
               </a:rPr>
               <a:t>PROFILE</a:t>
             </a:r>
-          </a:p>
-          <a:p>
-            <a:endParaRPr lang="en-US" altLang="ko-KR" sz="1400" dirty="0">
+            <a:endParaRPr lang="en-US" altLang="ko-KR" sz="1300" b="1" dirty="0">
               <a:solidFill>
                 <a:schemeClr val="tx1"/>
               </a:solidFill>
             </a:endParaRPr>
           </a:p>
           <a:p>
-            <a:r>
-              <a:rPr lang="en-US" altLang="ko-KR" sz="1200" dirty="0">
+            <a:endParaRPr lang="en-US" altLang="ko-KR" sz="1300" dirty="0">
+              <a:solidFill>
+                <a:schemeClr val="tx1"/>
+              </a:solidFill>
+            </a:endParaRPr>
+          </a:p>
+          <a:p>
+            <a:r>
+              <a:rPr lang="en-US" altLang="ko-KR" sz="1300" dirty="0">
                 <a:solidFill>
                   <a:schemeClr val="tx1"/>
                 </a:solidFill>
@@ -24842,7 +24904,7 @@
           </a:p>
           <a:p>
             <a:r>
-              <a:rPr lang="en-US" altLang="ko-KR" sz="1200" b="1" dirty="0">
+              <a:rPr lang="en-US" altLang="ko-KR" sz="1300" b="1" dirty="0">
                 <a:solidFill>
                   <a:schemeClr val="tx1"/>
                 </a:solidFill>
@@ -24868,8 +24930,8 @@
         </p:nvCxnSpPr>
         <p:spPr>
           <a:xfrm>
-            <a:off x="5233482" y="5949276"/>
-            <a:ext cx="1628979" cy="9564"/>
+            <a:off x="5151594" y="5974080"/>
+            <a:ext cx="1819747" cy="0"/>
           </a:xfrm>
           <a:prstGeom prst="line">
             <a:avLst/>
@@ -24904,8 +24966,8 @@
         </p:nvSpPr>
         <p:spPr>
           <a:xfrm>
-            <a:off x="7257673" y="2929889"/>
-            <a:ext cx="2052977" cy="1540511"/>
+            <a:off x="7215981" y="2929889"/>
+            <a:ext cx="2094670" cy="1540511"/>
           </a:xfrm>
           <a:prstGeom prst="rect">
             <a:avLst/>
@@ -24965,17 +25027,22 @@
               </a:rPr>
               <a:t>LISTS</a:t>
             </a:r>
-          </a:p>
-          <a:p>
-            <a:endParaRPr lang="en-US" altLang="ko-KR" sz="1400" dirty="0">
+            <a:endParaRPr lang="en-US" altLang="ko-KR" sz="1300" b="1" dirty="0">
               <a:solidFill>
                 <a:schemeClr val="tx1"/>
               </a:solidFill>
             </a:endParaRPr>
           </a:p>
           <a:p>
-            <a:r>
-              <a:rPr lang="en-US" altLang="ko-KR" sz="1200" dirty="0">
+            <a:endParaRPr lang="en-US" altLang="ko-KR" sz="1300" dirty="0">
+              <a:solidFill>
+                <a:schemeClr val="tx1"/>
+              </a:solidFill>
+            </a:endParaRPr>
+          </a:p>
+          <a:p>
+            <a:r>
+              <a:rPr lang="en-US" altLang="ko-KR" sz="1300" dirty="0">
                 <a:solidFill>
                   <a:schemeClr val="tx1"/>
                 </a:solidFill>
@@ -24985,7 +25052,7 @@
           </a:p>
           <a:p>
             <a:r>
-              <a:rPr lang="en-US" altLang="ko-KR" sz="1200" b="1" dirty="0">
+              <a:rPr lang="en-US" altLang="ko-KR" sz="1300" b="1" dirty="0">
                 <a:solidFill>
                   <a:schemeClr val="tx1"/>
                 </a:solidFill>
@@ -24995,7 +25062,7 @@
           </a:p>
           <a:p>
             <a:r>
-              <a:rPr lang="en-US" altLang="ko-KR" sz="1350" dirty="0" err="1">
+              <a:rPr lang="en-US" altLang="ko-KR" sz="1300" dirty="0" err="1">
                 <a:solidFill>
                   <a:schemeClr val="tx1"/>
                 </a:solidFill>
@@ -25003,7 +25070,7 @@
               <a:t>lists_date</a:t>
             </a:r>
             <a:r>
-              <a:rPr lang="en-US" altLang="ko-KR" sz="1350" dirty="0">
+              <a:rPr lang="en-US" altLang="ko-KR" sz="1300" dirty="0">
                 <a:solidFill>
                   <a:schemeClr val="tx1"/>
                 </a:solidFill>
@@ -25013,7 +25080,7 @@
           </a:p>
           <a:p>
             <a:r>
-              <a:rPr lang="en-US" altLang="ko-KR" sz="1350" b="1" dirty="0" err="1">
+              <a:rPr lang="en-US" altLang="ko-KR" sz="1300" b="1" dirty="0" err="1">
                 <a:solidFill>
                   <a:schemeClr val="tx1"/>
                 </a:solidFill>
@@ -25021,7 +25088,7 @@
               <a:t>lists_task</a:t>
             </a:r>
             <a:r>
-              <a:rPr lang="en-US" altLang="ko-KR" sz="1350" b="1" dirty="0">
+              <a:rPr lang="en-US" altLang="ko-KR" sz="1300" b="1" dirty="0">
                 <a:solidFill>
                   <a:schemeClr val="tx1"/>
                 </a:solidFill>
@@ -25029,22 +25096,22 @@
               <a:t> : </a:t>
             </a:r>
             <a:r>
-              <a:rPr lang="en-US" altLang="ko-KR" sz="1350" b="1" dirty="0" err="1">
+              <a:rPr lang="en-US" altLang="ko-KR" sz="1300" b="1" dirty="0" err="1">
                 <a:solidFill>
                   <a:schemeClr val="tx1"/>
                 </a:solidFill>
               </a:rPr>
-              <a:t>arrayList</a:t>
-            </a:r>
-            <a:r>
-              <a:rPr lang="en-US" altLang="ko-KR" sz="1350" b="1" dirty="0">
+              <a:t>ArrayList</a:t>
+            </a:r>
+            <a:r>
+              <a:rPr lang="en-US" altLang="ko-KR" sz="1300" b="1" dirty="0">
                 <a:solidFill>
                   <a:schemeClr val="tx1"/>
                 </a:solidFill>
               </a:rPr>
               <a:t>&lt;LISTS_TASK&gt;</a:t>
             </a:r>
-            <a:endParaRPr lang="ko-KR" altLang="en-US" sz="1350" b="1" dirty="0">
+            <a:endParaRPr lang="ko-KR" altLang="en-US" sz="1300" b="1" dirty="0">
               <a:solidFill>
                 <a:schemeClr val="tx1"/>
               </a:solidFill>
@@ -25068,8 +25135,8 @@
         </p:nvCxnSpPr>
         <p:spPr>
           <a:xfrm>
-            <a:off x="7257673" y="3351033"/>
-            <a:ext cx="2052977" cy="0"/>
+            <a:off x="7215981" y="3335351"/>
+            <a:ext cx="2094670" cy="0"/>
           </a:xfrm>
           <a:prstGeom prst="line">
             <a:avLst/>
@@ -25104,8 +25171,8 @@
         </p:nvSpPr>
         <p:spPr>
           <a:xfrm>
-            <a:off x="10269747" y="2570169"/>
-            <a:ext cx="1814286" cy="1931494"/>
+            <a:off x="10269747" y="2513394"/>
+            <a:ext cx="1814286" cy="2171840"/>
           </a:xfrm>
           <a:prstGeom prst="rect">
             <a:avLst/>
@@ -25165,17 +25232,22 @@
               </a:rPr>
               <a:t>TASK</a:t>
             </a:r>
-          </a:p>
-          <a:p>
-            <a:endParaRPr lang="en-US" altLang="ko-KR" sz="1400" dirty="0">
+            <a:endParaRPr lang="en-US" altLang="ko-KR" sz="1300" b="1" dirty="0">
               <a:solidFill>
                 <a:schemeClr val="tx1"/>
               </a:solidFill>
             </a:endParaRPr>
           </a:p>
           <a:p>
-            <a:r>
-              <a:rPr lang="en-US" altLang="ko-KR" sz="1350" dirty="0">
+            <a:endParaRPr lang="en-US" altLang="ko-KR" sz="1300" dirty="0">
+              <a:solidFill>
+                <a:schemeClr val="tx1"/>
+              </a:solidFill>
+            </a:endParaRPr>
+          </a:p>
+          <a:p>
+            <a:r>
+              <a:rPr lang="en-US" altLang="ko-KR" sz="1300" dirty="0">
                 <a:solidFill>
                   <a:schemeClr val="tx1"/>
                 </a:solidFill>
@@ -25185,7 +25257,7 @@
           </a:p>
           <a:p>
             <a:r>
-              <a:rPr lang="en-US" altLang="ko-KR" sz="1350" dirty="0">
+              <a:rPr lang="en-US" altLang="ko-KR" sz="1300" dirty="0">
                 <a:solidFill>
                   <a:schemeClr val="tx1"/>
                 </a:solidFill>
@@ -25195,7 +25267,7 @@
           </a:p>
           <a:p>
             <a:r>
-              <a:rPr lang="en-US" altLang="ko-KR" sz="1350" dirty="0">
+              <a:rPr lang="en-US" altLang="ko-KR" sz="1300" dirty="0">
                 <a:solidFill>
                   <a:schemeClr val="tx1"/>
                 </a:solidFill>
@@ -25205,7 +25277,7 @@
           </a:p>
           <a:p>
             <a:r>
-              <a:rPr lang="en-US" altLang="ko-KR" sz="1350" dirty="0">
+              <a:rPr lang="en-US" altLang="ko-KR" sz="1300" dirty="0">
                 <a:solidFill>
                   <a:schemeClr val="tx1"/>
                 </a:solidFill>
@@ -25215,17 +25287,33 @@
           </a:p>
           <a:p>
             <a:r>
-              <a:rPr lang="en-US" altLang="ko-KR" sz="1350" b="1" dirty="0">
+              <a:rPr lang="en-US" altLang="ko-KR" sz="1300" b="1" dirty="0">
                 <a:solidFill>
                   <a:schemeClr val="tx1"/>
                 </a:solidFill>
               </a:rPr>
-              <a:t>timer :TIMER</a:t>
-            </a:r>
-          </a:p>
-          <a:p>
-            <a:r>
-              <a:rPr lang="en-US" altLang="ko-KR" sz="1350" b="1" dirty="0" err="1">
+              <a:t>timer : </a:t>
+            </a:r>
+            <a:r>
+              <a:rPr lang="en-US" altLang="ko-KR" sz="1300" b="1" dirty="0" err="1">
+                <a:solidFill>
+                  <a:schemeClr val="tx1"/>
+                </a:solidFill>
+              </a:rPr>
+              <a:t>ArrayList</a:t>
+            </a:r>
+            <a:r>
+              <a:rPr lang="en-US" altLang="ko-KR" sz="1300" b="1" dirty="0">
+                <a:solidFill>
+                  <a:schemeClr val="tx1"/>
+                </a:solidFill>
+              </a:rPr>
+              <a:t>&lt;TIMER&gt;</a:t>
+            </a:r>
+          </a:p>
+          <a:p>
+            <a:r>
+              <a:rPr lang="en-US" altLang="ko-KR" sz="1300" b="1" dirty="0" err="1">
                 <a:solidFill>
                   <a:schemeClr val="tx1"/>
                 </a:solidFill>
@@ -25233,7 +25321,7 @@
               <a:t>task_status</a:t>
             </a:r>
             <a:r>
-              <a:rPr lang="en-US" altLang="ko-KR" sz="1350" b="1" dirty="0">
+              <a:rPr lang="en-US" altLang="ko-KR" sz="1300" b="1" dirty="0">
                 <a:solidFill>
                   <a:schemeClr val="tx1"/>
                 </a:solidFill>
@@ -25358,7 +25446,7 @@
             </a:r>
           </a:p>
           <a:p>
-            <a:endParaRPr lang="en-US" altLang="ko-KR" sz="1400" dirty="0">
+            <a:endParaRPr lang="en-US" altLang="ko-KR" sz="1300" dirty="0">
               <a:solidFill>
                 <a:schemeClr val="tx1"/>
               </a:solidFill>
@@ -25366,7 +25454,7 @@
           </a:p>
           <a:p>
             <a:r>
-              <a:rPr lang="en-US" altLang="ko-KR" sz="1350" dirty="0">
+              <a:rPr lang="en-US" altLang="ko-KR" sz="1300" dirty="0">
                 <a:solidFill>
                   <a:schemeClr val="tx1"/>
                 </a:solidFill>
@@ -25376,7 +25464,7 @@
           </a:p>
           <a:p>
             <a:r>
-              <a:rPr lang="en-US" altLang="ko-KR" sz="1350" dirty="0">
+              <a:rPr lang="en-US" altLang="ko-KR" sz="1300" dirty="0">
                 <a:solidFill>
                   <a:schemeClr val="tx1"/>
                 </a:solidFill>
@@ -25386,7 +25474,7 @@
           </a:p>
           <a:p>
             <a:r>
-              <a:rPr lang="en-US" altLang="ko-KR" sz="1350" dirty="0" err="1">
+              <a:rPr lang="en-US" altLang="ko-KR" sz="1300" dirty="0" err="1">
                 <a:solidFill>
                   <a:schemeClr val="tx1"/>
                 </a:solidFill>
@@ -25394,14 +25482,14 @@
               <a:t>timer_onoff</a:t>
             </a:r>
             <a:r>
-              <a:rPr lang="en-US" altLang="ko-KR" sz="1350" dirty="0">
+              <a:rPr lang="en-US" altLang="ko-KR" sz="1300" dirty="0">
                 <a:solidFill>
                   <a:schemeClr val="tx1"/>
                 </a:solidFill>
               </a:rPr>
               <a:t> : Boolean</a:t>
             </a:r>
-            <a:endParaRPr lang="ko-KR" altLang="en-US" sz="1350" dirty="0">
+            <a:endParaRPr lang="ko-KR" altLang="en-US" sz="1300" dirty="0">
               <a:solidFill>
                 <a:schemeClr val="tx1"/>
               </a:solidFill>
@@ -25425,8 +25513,8 @@
         </p:nvCxnSpPr>
         <p:spPr>
           <a:xfrm>
-            <a:off x="10236597" y="5666577"/>
-            <a:ext cx="1847436" cy="0"/>
+            <a:off x="10273622" y="5731892"/>
+            <a:ext cx="1810411" cy="0"/>
           </a:xfrm>
           <a:prstGeom prst="line">
             <a:avLst/>
@@ -25461,8 +25549,8 @@
         </p:nvSpPr>
         <p:spPr>
           <a:xfrm>
-            <a:off x="10269747" y="773789"/>
-            <a:ext cx="1814286" cy="1366767"/>
+            <a:off x="10270917" y="705927"/>
+            <a:ext cx="1814286" cy="1491567"/>
           </a:xfrm>
           <a:prstGeom prst="rect">
             <a:avLst/>
@@ -25524,8 +25612,15 @@
             </a:r>
           </a:p>
           <a:p>
-            <a:r>
-              <a:rPr lang="en-US" altLang="ko-KR" sz="1400" dirty="0">
+            <a:endParaRPr lang="en-US" altLang="ko-KR" sz="1300" b="1" dirty="0">
+              <a:solidFill>
+                <a:schemeClr val="tx1"/>
+              </a:solidFill>
+            </a:endParaRPr>
+          </a:p>
+          <a:p>
+            <a:r>
+              <a:rPr lang="en-US" altLang="ko-KR" sz="1300" dirty="0">
                 <a:solidFill>
                   <a:schemeClr val="tx1"/>
                 </a:solidFill>
@@ -25535,7 +25630,7 @@
           </a:p>
           <a:p>
             <a:r>
-              <a:rPr lang="en-US" altLang="ko-KR" sz="1400" b="1" dirty="0">
+              <a:rPr lang="en-US" altLang="ko-KR" sz="1300" b="1" dirty="0">
                 <a:solidFill>
                   <a:schemeClr val="tx1"/>
                 </a:solidFill>
@@ -25545,7 +25640,7 @@
           </a:p>
           <a:p>
             <a:r>
-              <a:rPr lang="en-US" altLang="ko-KR" sz="1400" dirty="0">
+              <a:rPr lang="en-US" altLang="ko-KR" sz="1300" dirty="0">
                 <a:solidFill>
                   <a:schemeClr val="tx1"/>
                 </a:solidFill>
@@ -25555,7 +25650,7 @@
           </a:p>
           <a:p>
             <a:r>
-              <a:rPr lang="en-US" altLang="ko-KR" sz="1400" dirty="0">
+              <a:rPr lang="en-US" altLang="ko-KR" sz="1300" dirty="0">
                 <a:solidFill>
                   <a:schemeClr val="tx1"/>
                 </a:solidFill>
@@ -25565,7 +25660,7 @@
           </a:p>
           <a:p>
             <a:r>
-              <a:rPr lang="en-US" altLang="ko-KR" sz="1400" dirty="0">
+              <a:rPr lang="en-US" altLang="ko-KR" sz="1300" dirty="0">
                 <a:solidFill>
                   <a:schemeClr val="tx1"/>
                 </a:solidFill>
@@ -25591,7 +25686,7 @@
         </p:nvCxnSpPr>
         <p:spPr>
           <a:xfrm>
-            <a:off x="10264286" y="1046398"/>
+            <a:off x="10264286" y="1018075"/>
             <a:ext cx="1819747" cy="0"/>
           </a:xfrm>
           <a:prstGeom prst="line">
@@ -25690,7 +25785,7 @@
             </a:r>
           </a:p>
           <a:p>
-            <a:endParaRPr lang="en-US" altLang="ko-KR" sz="1400" dirty="0">
+            <a:endParaRPr lang="en-US" altLang="ko-KR" sz="1300" dirty="0">
               <a:solidFill>
                 <a:schemeClr val="tx1"/>
               </a:solidFill>
@@ -25698,7 +25793,7 @@
           </a:p>
           <a:p>
             <a:r>
-              <a:rPr lang="en-US" altLang="ko-KR" sz="1350" dirty="0">
+              <a:rPr lang="en-US" altLang="ko-KR" sz="1300" dirty="0">
                 <a:solidFill>
                   <a:schemeClr val="tx1"/>
                 </a:solidFill>
@@ -25708,7 +25803,7 @@
           </a:p>
           <a:p>
             <a:r>
-              <a:rPr lang="en-US" altLang="ko-KR" sz="1350" b="1" dirty="0">
+              <a:rPr lang="en-US" altLang="ko-KR" sz="1300" b="1" dirty="0">
                 <a:solidFill>
                   <a:schemeClr val="tx1"/>
                 </a:solidFill>
@@ -25718,7 +25813,7 @@
           </a:p>
           <a:p>
             <a:r>
-              <a:rPr lang="en-US" altLang="ko-KR" sz="1350" b="1" dirty="0">
+              <a:rPr lang="en-US" altLang="ko-KR" sz="1300" b="1" dirty="0">
                 <a:solidFill>
                   <a:schemeClr val="tx1"/>
                 </a:solidFill>
@@ -25728,14 +25823,14 @@
           </a:p>
           <a:p>
             <a:r>
-              <a:rPr lang="en-US" altLang="ko-KR" sz="1350" dirty="0">
+              <a:rPr lang="en-US" altLang="ko-KR" sz="1300" dirty="0">
                 <a:solidFill>
                   <a:schemeClr val="tx1"/>
                 </a:solidFill>
               </a:rPr>
               <a:t>count : Int</a:t>
             </a:r>
-            <a:endParaRPr lang="ko-KR" altLang="en-US" sz="1350" dirty="0">
+            <a:endParaRPr lang="ko-KR" altLang="en-US" sz="1300" dirty="0">
               <a:solidFill>
                 <a:schemeClr val="tx1"/>
               </a:solidFill>
@@ -25799,8 +25894,8 @@
         </p:nvCxnSpPr>
         <p:spPr>
           <a:xfrm>
-            <a:off x="6046658" y="4617533"/>
-            <a:ext cx="0" cy="1026432"/>
+            <a:off x="6032446" y="4617533"/>
+            <a:ext cx="29022" cy="1026432"/>
           </a:xfrm>
           <a:prstGeom prst="line">
             <a:avLst/>
@@ -25838,9 +25933,9 @@
           <p:nvPr/>
         </p:nvCxnSpPr>
         <p:spPr>
-          <a:xfrm>
-            <a:off x="11176890" y="2140556"/>
-            <a:ext cx="0" cy="429613"/>
+          <a:xfrm flipH="1">
+            <a:off x="11176890" y="2197494"/>
+            <a:ext cx="1170" cy="315900"/>
           </a:xfrm>
           <a:prstGeom prst="line">
             <a:avLst/>
@@ -25879,8 +25974,8 @@
         </p:nvCxnSpPr>
         <p:spPr>
           <a:xfrm flipH="1">
-            <a:off x="11174160" y="4501663"/>
-            <a:ext cx="2730" cy="783614"/>
+            <a:off x="11174160" y="4685234"/>
+            <a:ext cx="2730" cy="600043"/>
           </a:xfrm>
           <a:prstGeom prst="line">
             <a:avLst/>
@@ -25920,7 +26015,7 @@
         <p:spPr>
           <a:xfrm>
             <a:off x="6838018" y="3699071"/>
-            <a:ext cx="419655" cy="1074"/>
+            <a:ext cx="377963" cy="1074"/>
           </a:xfrm>
           <a:prstGeom prst="line">
             <a:avLst/>
@@ -25959,7 +26054,7 @@
         <p:spPr>
           <a:xfrm flipH="1" flipV="1">
             <a:off x="8708617" y="2389988"/>
-            <a:ext cx="602033" cy="1310157"/>
+            <a:ext cx="602034" cy="1310157"/>
           </a:xfrm>
           <a:prstGeom prst="bentConnector4">
             <a:avLst>
@@ -26002,7 +26097,7 @@
         <p:spPr>
           <a:xfrm rot="10800000">
             <a:off x="9559023" y="1734910"/>
-            <a:ext cx="710724" cy="1801006"/>
+            <a:ext cx="710724" cy="1864404"/>
           </a:xfrm>
           <a:prstGeom prst="bentConnector3">
             <a:avLst>
@@ -26043,8 +26138,8 @@
         </p:nvCxnSpPr>
         <p:spPr>
           <a:xfrm rot="5400000">
-            <a:off x="2433474" y="4473526"/>
-            <a:ext cx="1249000" cy="1435911"/>
+            <a:off x="2472879" y="4512931"/>
+            <a:ext cx="1170190" cy="1435911"/>
           </a:xfrm>
           <a:prstGeom prst="bentConnector2">
             <a:avLst/>
@@ -26084,7 +26179,7 @@
         <p:spPr>
           <a:xfrm>
             <a:off x="2340018" y="1593461"/>
-            <a:ext cx="1435911" cy="1259798"/>
+            <a:ext cx="1435911" cy="1194479"/>
           </a:xfrm>
           <a:prstGeom prst="bentConnector2">
             <a:avLst/>
@@ -26158,7 +26253,7 @@
         <p:spPr>
           <a:xfrm>
             <a:off x="2528620" y="3304192"/>
-            <a:ext cx="279916" cy="307777"/>
+            <a:ext cx="279916" cy="292388"/>
           </a:xfrm>
           <a:prstGeom prst="rect">
             <a:avLst/>
@@ -26172,10 +26267,10 @@
           <a:lstStyle/>
           <a:p>
             <a:r>
-              <a:rPr lang="en-US" altLang="ko-KR" sz="1400" dirty="0"/>
+              <a:rPr lang="en-US" altLang="ko-KR" sz="1300" dirty="0"/>
               <a:t>1</a:t>
             </a:r>
-            <a:endParaRPr lang="ko-KR" altLang="en-US" sz="1400" dirty="0"/>
+            <a:endParaRPr lang="ko-KR" altLang="en-US" sz="1300" dirty="0"/>
           </a:p>
         </p:txBody>
       </p:sp>
@@ -26194,7 +26289,7 @@
         <p:spPr>
           <a:xfrm>
             <a:off x="2287991" y="3304193"/>
-            <a:ext cx="279916" cy="307777"/>
+            <a:ext cx="279916" cy="292388"/>
           </a:xfrm>
           <a:prstGeom prst="rect">
             <a:avLst/>
@@ -26208,10 +26303,10 @@
           <a:lstStyle/>
           <a:p>
             <a:r>
-              <a:rPr lang="en-US" altLang="ko-KR" sz="1400" dirty="0"/>
+              <a:rPr lang="en-US" altLang="ko-KR" sz="1300" dirty="0"/>
               <a:t>1</a:t>
             </a:r>
-            <a:endParaRPr lang="ko-KR" altLang="en-US" sz="1400" dirty="0"/>
+            <a:endParaRPr lang="ko-KR" altLang="en-US" sz="1300" dirty="0"/>
           </a:p>
         </p:txBody>
       </p:sp>
@@ -26230,7 +26325,7 @@
         <p:spPr>
           <a:xfrm>
             <a:off x="5016704" y="3371163"/>
-            <a:ext cx="279916" cy="307777"/>
+            <a:ext cx="279916" cy="292388"/>
           </a:xfrm>
           <a:prstGeom prst="rect">
             <a:avLst/>
@@ -26244,10 +26339,10 @@
           <a:lstStyle/>
           <a:p>
             <a:r>
-              <a:rPr lang="en-US" altLang="ko-KR" sz="1400" dirty="0"/>
+              <a:rPr lang="en-US" altLang="ko-KR" sz="1300" dirty="0"/>
               <a:t>1</a:t>
             </a:r>
-            <a:endParaRPr lang="ko-KR" altLang="en-US" sz="1400" dirty="0"/>
+            <a:endParaRPr lang="ko-KR" altLang="en-US" sz="1300" dirty="0"/>
           </a:p>
         </p:txBody>
       </p:sp>
@@ -26266,7 +26361,7 @@
         <p:spPr>
           <a:xfrm>
             <a:off x="3761408" y="2543965"/>
-            <a:ext cx="279916" cy="307777"/>
+            <a:ext cx="279916" cy="292388"/>
           </a:xfrm>
           <a:prstGeom prst="rect">
             <a:avLst/>
@@ -26280,10 +26375,10 @@
           <a:lstStyle/>
           <a:p>
             <a:r>
-              <a:rPr lang="en-US" altLang="ko-KR" sz="1400" dirty="0"/>
+              <a:rPr lang="en-US" altLang="ko-KR" sz="1300" dirty="0"/>
               <a:t>1</a:t>
             </a:r>
-            <a:endParaRPr lang="ko-KR" altLang="en-US" sz="1400" dirty="0"/>
+            <a:endParaRPr lang="ko-KR" altLang="en-US" sz="1300" dirty="0"/>
           </a:p>
         </p:txBody>
       </p:sp>
@@ -26301,8 +26396,8 @@
         </p:nvSpPr>
         <p:spPr>
           <a:xfrm>
-            <a:off x="3775054" y="4555220"/>
-            <a:ext cx="279916" cy="307777"/>
+            <a:off x="3775054" y="4656334"/>
+            <a:ext cx="279916" cy="292388"/>
           </a:xfrm>
           <a:prstGeom prst="rect">
             <a:avLst/>
@@ -26316,10 +26411,10 @@
           <a:lstStyle/>
           <a:p>
             <a:r>
-              <a:rPr lang="en-US" altLang="ko-KR" sz="1400" dirty="0"/>
+              <a:rPr lang="en-US" altLang="ko-KR" sz="1300" dirty="0"/>
               <a:t>1</a:t>
             </a:r>
-            <a:endParaRPr lang="ko-KR" altLang="en-US" sz="1400" dirty="0"/>
+            <a:endParaRPr lang="ko-KR" altLang="en-US" sz="1300" dirty="0"/>
           </a:p>
         </p:txBody>
       </p:sp>
@@ -26338,7 +26433,7 @@
         <p:spPr>
           <a:xfrm>
             <a:off x="2410196" y="1217550"/>
-            <a:ext cx="279916" cy="307777"/>
+            <a:ext cx="279916" cy="292388"/>
           </a:xfrm>
           <a:prstGeom prst="rect">
             <a:avLst/>
@@ -26352,10 +26447,10 @@
           <a:lstStyle/>
           <a:p>
             <a:r>
-              <a:rPr lang="en-US" altLang="ko-KR" sz="1400" dirty="0"/>
+              <a:rPr lang="en-US" altLang="ko-KR" sz="1300" dirty="0"/>
               <a:t>1</a:t>
             </a:r>
-            <a:endParaRPr lang="ko-KR" altLang="en-US" sz="1400" dirty="0"/>
+            <a:endParaRPr lang="ko-KR" altLang="en-US" sz="1300" dirty="0"/>
           </a:p>
         </p:txBody>
       </p:sp>
@@ -26374,7 +26469,7 @@
         <p:spPr>
           <a:xfrm>
             <a:off x="2346983" y="5826619"/>
-            <a:ext cx="279916" cy="307777"/>
+            <a:ext cx="279916" cy="292388"/>
           </a:xfrm>
           <a:prstGeom prst="rect">
             <a:avLst/>
@@ -26388,10 +26483,10 @@
           <a:lstStyle/>
           <a:p>
             <a:r>
-              <a:rPr lang="en-US" altLang="ko-KR" sz="1400" b="1" dirty="0"/>
+              <a:rPr lang="en-US" altLang="ko-KR" sz="1300" b="1" dirty="0"/>
               <a:t>*</a:t>
             </a:r>
-            <a:endParaRPr lang="ko-KR" altLang="en-US" sz="1400" b="1" dirty="0"/>
+            <a:endParaRPr lang="ko-KR" altLang="en-US" sz="1300" b="1" dirty="0"/>
           </a:p>
         </p:txBody>
       </p:sp>
@@ -26409,8 +26504,8 @@
         </p:nvSpPr>
         <p:spPr>
           <a:xfrm>
-            <a:off x="5723746" y="4645793"/>
-            <a:ext cx="279916" cy="307777"/>
+            <a:off x="5715996" y="4685234"/>
+            <a:ext cx="279916" cy="292388"/>
           </a:xfrm>
           <a:prstGeom prst="rect">
             <a:avLst/>
@@ -26424,10 +26519,10 @@
           <a:lstStyle/>
           <a:p>
             <a:r>
-              <a:rPr lang="en-US" altLang="ko-KR" sz="1400" dirty="0"/>
+              <a:rPr lang="en-US" altLang="ko-KR" sz="1300" dirty="0"/>
               <a:t>1</a:t>
             </a:r>
-            <a:endParaRPr lang="ko-KR" altLang="en-US" sz="1400" dirty="0"/>
+            <a:endParaRPr lang="ko-KR" altLang="en-US" sz="1300" dirty="0"/>
           </a:p>
         </p:txBody>
       </p:sp>
@@ -26446,7 +26541,7 @@
         <p:spPr>
           <a:xfrm>
             <a:off x="5723746" y="5292326"/>
-            <a:ext cx="279916" cy="307777"/>
+            <a:ext cx="279916" cy="292388"/>
           </a:xfrm>
           <a:prstGeom prst="rect">
             <a:avLst/>
@@ -26460,10 +26555,10 @@
           <a:lstStyle/>
           <a:p>
             <a:r>
-              <a:rPr lang="en-US" altLang="ko-KR" sz="1400" dirty="0"/>
+              <a:rPr lang="en-US" altLang="ko-KR" sz="1300" dirty="0"/>
               <a:t>1</a:t>
             </a:r>
-            <a:endParaRPr lang="ko-KR" altLang="en-US" sz="1400" dirty="0"/>
+            <a:endParaRPr lang="ko-KR" altLang="en-US" sz="1300" dirty="0"/>
           </a:p>
         </p:txBody>
       </p:sp>
@@ -26482,7 +26577,7 @@
         <p:spPr>
           <a:xfrm>
             <a:off x="6780486" y="3343700"/>
-            <a:ext cx="279916" cy="307777"/>
+            <a:ext cx="279916" cy="292388"/>
           </a:xfrm>
           <a:prstGeom prst="rect">
             <a:avLst/>
@@ -26496,10 +26591,10 @@
           <a:lstStyle/>
           <a:p>
             <a:r>
-              <a:rPr lang="en-US" altLang="ko-KR" sz="1400" dirty="0"/>
+              <a:rPr lang="en-US" altLang="ko-KR" sz="1300" dirty="0"/>
               <a:t>1</a:t>
             </a:r>
-            <a:endParaRPr lang="ko-KR" altLang="en-US" sz="1400" dirty="0"/>
+            <a:endParaRPr lang="ko-KR" altLang="en-US" sz="1300" dirty="0"/>
           </a:p>
         </p:txBody>
       </p:sp>
@@ -26518,7 +26613,7 @@
         <p:spPr>
           <a:xfrm>
             <a:off x="6999030" y="3376893"/>
-            <a:ext cx="279916" cy="307777"/>
+            <a:ext cx="279916" cy="292388"/>
           </a:xfrm>
           <a:prstGeom prst="rect">
             <a:avLst/>
@@ -26532,10 +26627,10 @@
           <a:lstStyle/>
           <a:p>
             <a:r>
-              <a:rPr lang="en-US" altLang="ko-KR" sz="1400" b="1" dirty="0"/>
+              <a:rPr lang="en-US" altLang="ko-KR" sz="1300" b="1" dirty="0"/>
               <a:t>*</a:t>
             </a:r>
-            <a:endParaRPr lang="ko-KR" altLang="en-US" sz="1400" b="1" dirty="0"/>
+            <a:endParaRPr lang="ko-KR" altLang="en-US" sz="1300" b="1" dirty="0"/>
           </a:p>
         </p:txBody>
       </p:sp>
@@ -26554,7 +26649,7 @@
         <p:spPr>
           <a:xfrm>
             <a:off x="8402554" y="2374968"/>
-            <a:ext cx="279916" cy="307777"/>
+            <a:ext cx="279916" cy="292388"/>
           </a:xfrm>
           <a:prstGeom prst="rect">
             <a:avLst/>
@@ -26568,10 +26663,10 @@
           <a:lstStyle/>
           <a:p>
             <a:r>
-              <a:rPr lang="en-US" altLang="ko-KR" sz="1400" b="1" dirty="0"/>
+              <a:rPr lang="en-US" altLang="ko-KR" sz="1300" b="1" dirty="0"/>
               <a:t>*</a:t>
             </a:r>
-            <a:endParaRPr lang="ko-KR" altLang="en-US" sz="1400" b="1" dirty="0"/>
+            <a:endParaRPr lang="ko-KR" altLang="en-US" sz="1300" b="1" dirty="0"/>
           </a:p>
         </p:txBody>
       </p:sp>
@@ -26590,7 +26685,7 @@
         <p:spPr>
           <a:xfrm>
             <a:off x="9553676" y="1461915"/>
-            <a:ext cx="279916" cy="307777"/>
+            <a:ext cx="279916" cy="292388"/>
           </a:xfrm>
           <a:prstGeom prst="rect">
             <a:avLst/>
@@ -26604,10 +26699,10 @@
           <a:lstStyle/>
           <a:p>
             <a:r>
-              <a:rPr lang="en-US" altLang="ko-KR" sz="1400" b="1" dirty="0"/>
+              <a:rPr lang="en-US" altLang="ko-KR" sz="1300" b="1" dirty="0"/>
               <a:t>*</a:t>
             </a:r>
-            <a:endParaRPr lang="ko-KR" altLang="en-US" sz="1400" b="1" dirty="0"/>
+            <a:endParaRPr lang="ko-KR" altLang="en-US" sz="1300" b="1" dirty="0"/>
           </a:p>
         </p:txBody>
       </p:sp>
@@ -26626,7 +26721,7 @@
         <p:spPr>
           <a:xfrm>
             <a:off x="9217843" y="3720812"/>
-            <a:ext cx="279916" cy="307777"/>
+            <a:ext cx="279916" cy="292388"/>
           </a:xfrm>
           <a:prstGeom prst="rect">
             <a:avLst/>
@@ -26640,10 +26735,10 @@
           <a:lstStyle/>
           <a:p>
             <a:r>
-              <a:rPr lang="en-US" altLang="ko-KR" sz="1400" dirty="0"/>
+              <a:rPr lang="en-US" altLang="ko-KR" sz="1300" dirty="0"/>
               <a:t>1</a:t>
             </a:r>
-            <a:endParaRPr lang="ko-KR" altLang="en-US" sz="1400" dirty="0"/>
+            <a:endParaRPr lang="ko-KR" altLang="en-US" sz="1300" dirty="0"/>
           </a:p>
         </p:txBody>
       </p:sp>
@@ -26661,8 +26756,8 @@
         </p:nvSpPr>
         <p:spPr>
           <a:xfrm>
-            <a:off x="9966853" y="3197144"/>
-            <a:ext cx="279916" cy="307777"/>
+            <a:off x="9968023" y="3254082"/>
+            <a:ext cx="279916" cy="292388"/>
           </a:xfrm>
           <a:prstGeom prst="rect">
             <a:avLst/>
@@ -26676,10 +26771,10 @@
           <a:lstStyle/>
           <a:p>
             <a:r>
-              <a:rPr lang="en-US" altLang="ko-KR" sz="1400" dirty="0"/>
+              <a:rPr lang="en-US" altLang="ko-KR" sz="1300" dirty="0"/>
               <a:t>1</a:t>
             </a:r>
-            <a:endParaRPr lang="ko-KR" altLang="en-US" sz="1400" dirty="0"/>
+            <a:endParaRPr lang="ko-KR" altLang="en-US" sz="1300" dirty="0"/>
           </a:p>
         </p:txBody>
       </p:sp>
@@ -26697,8 +26792,8 @@
         </p:nvSpPr>
         <p:spPr>
           <a:xfrm>
-            <a:off x="10896974" y="4434455"/>
-            <a:ext cx="279916" cy="307777"/>
+            <a:off x="10896974" y="4640717"/>
+            <a:ext cx="279916" cy="292388"/>
           </a:xfrm>
           <a:prstGeom prst="rect">
             <a:avLst/>
@@ -26712,10 +26807,10 @@
           <a:lstStyle/>
           <a:p>
             <a:r>
-              <a:rPr lang="en-US" altLang="ko-KR" sz="1400" dirty="0"/>
+              <a:rPr lang="en-US" altLang="ko-KR" sz="1300" dirty="0"/>
               <a:t>1</a:t>
             </a:r>
-            <a:endParaRPr lang="ko-KR" altLang="en-US" sz="1400" dirty="0"/>
+            <a:endParaRPr lang="ko-KR" altLang="en-US" sz="1300" dirty="0"/>
           </a:p>
         </p:txBody>
       </p:sp>
@@ -26734,7 +26829,7 @@
         <p:spPr>
           <a:xfrm>
             <a:off x="10896974" y="4906932"/>
-            <a:ext cx="279916" cy="307777"/>
+            <a:ext cx="279916" cy="292388"/>
           </a:xfrm>
           <a:prstGeom prst="rect">
             <a:avLst/>
@@ -26748,10 +26843,10 @@
           <a:lstStyle/>
           <a:p>
             <a:r>
-              <a:rPr lang="en-US" altLang="ko-KR" sz="1400" dirty="0"/>
+              <a:rPr lang="en-US" altLang="ko-KR" sz="1300" dirty="0"/>
               <a:t>1</a:t>
             </a:r>
-            <a:endParaRPr lang="ko-KR" altLang="en-US" sz="1400" dirty="0"/>
+            <a:endParaRPr lang="ko-KR" altLang="en-US" sz="1300" dirty="0"/>
           </a:p>
         </p:txBody>
       </p:sp>
@@ -26769,8 +26864,8 @@
         </p:nvSpPr>
         <p:spPr>
           <a:xfrm>
-            <a:off x="10927831" y="2330922"/>
-            <a:ext cx="265667" cy="307777"/>
+            <a:off x="10950504" y="2274111"/>
+            <a:ext cx="265667" cy="292388"/>
           </a:xfrm>
           <a:prstGeom prst="rect">
             <a:avLst/>
@@ -26784,10 +26879,10 @@
           <a:lstStyle/>
           <a:p>
             <a:r>
-              <a:rPr lang="en-US" altLang="ko-KR" sz="1400" dirty="0"/>
+              <a:rPr lang="en-US" altLang="ko-KR" sz="1300" dirty="0"/>
               <a:t>1</a:t>
             </a:r>
-            <a:endParaRPr lang="ko-KR" altLang="en-US" sz="1400" dirty="0"/>
+            <a:endParaRPr lang="ko-KR" altLang="en-US" sz="1300" dirty="0"/>
           </a:p>
         </p:txBody>
       </p:sp>
@@ -26805,8 +26900,8 @@
         </p:nvSpPr>
         <p:spPr>
           <a:xfrm>
-            <a:off x="10927831" y="2097692"/>
-            <a:ext cx="279916" cy="307777"/>
+            <a:off x="10956129" y="2127917"/>
+            <a:ext cx="279916" cy="292388"/>
           </a:xfrm>
           <a:prstGeom prst="rect">
             <a:avLst/>
@@ -26820,10 +26915,10 @@
           <a:lstStyle/>
           <a:p>
             <a:r>
-              <a:rPr lang="en-US" altLang="ko-KR" sz="1400" b="1" dirty="0"/>
+              <a:rPr lang="en-US" altLang="ko-KR" sz="1300" b="1" dirty="0"/>
               <a:t>*</a:t>
             </a:r>
-            <a:endParaRPr lang="ko-KR" altLang="en-US" sz="1400" b="1" dirty="0"/>
+            <a:endParaRPr lang="ko-KR" altLang="en-US" sz="1300" b="1" dirty="0"/>
           </a:p>
         </p:txBody>
       </p:sp>
@@ -26997,8 +27092,8 @@
         </p:nvCxnSpPr>
         <p:spPr>
           <a:xfrm flipV="1">
-            <a:off x="2340018" y="3710120"/>
-            <a:ext cx="407059" cy="11827"/>
+            <a:off x="2340018" y="3716866"/>
+            <a:ext cx="407059" cy="5081"/>
           </a:xfrm>
           <a:prstGeom prst="line">
             <a:avLst/>
@@ -27035,7 +27130,7 @@
         </p:nvCxnSpPr>
         <p:spPr>
           <a:xfrm flipH="1">
-            <a:off x="2350947" y="3644687"/>
+            <a:off x="2350947" y="3641265"/>
             <a:ext cx="180246" cy="74601"/>
           </a:xfrm>
           <a:prstGeom prst="line">
@@ -27073,7 +27168,7 @@
         </p:nvCxnSpPr>
         <p:spPr>
           <a:xfrm flipH="1" flipV="1">
-            <a:off x="2344995" y="3719288"/>
+            <a:off x="2344995" y="3715866"/>
             <a:ext cx="186198" cy="89322"/>
           </a:xfrm>
           <a:prstGeom prst="line">
@@ -27190,7 +27285,7 @@
         <p:spPr>
           <a:xfrm flipH="1">
             <a:off x="4804781" y="3699071"/>
-            <a:ext cx="450516" cy="11049"/>
+            <a:ext cx="422092" cy="17795"/>
           </a:xfrm>
           <a:prstGeom prst="line">
             <a:avLst/>
@@ -27302,7 +27397,7 @@
         <p:spPr>
           <a:xfrm>
             <a:off x="4774891" y="3364188"/>
-            <a:ext cx="161012" cy="307777"/>
+            <a:ext cx="161012" cy="292388"/>
           </a:xfrm>
           <a:prstGeom prst="rect">
             <a:avLst/>
@@ -27316,10 +27411,10 @@
           <a:lstStyle/>
           <a:p>
             <a:r>
-              <a:rPr lang="en-US" altLang="ko-KR" sz="1400" dirty="0"/>
+              <a:rPr lang="en-US" altLang="ko-KR" sz="1300" dirty="0"/>
               <a:t>1</a:t>
             </a:r>
-            <a:endParaRPr lang="ko-KR" altLang="en-US" sz="1400" dirty="0"/>
+            <a:endParaRPr lang="ko-KR" altLang="en-US" sz="1300" dirty="0"/>
           </a:p>
         </p:txBody>
       </p:sp>
@@ -27339,7 +27434,7 @@
         </p:nvCxnSpPr>
         <p:spPr>
           <a:xfrm>
-            <a:off x="10121357" y="3487634"/>
+            <a:off x="10122527" y="3544572"/>
             <a:ext cx="142929" cy="52947"/>
           </a:xfrm>
           <a:prstGeom prst="line">
@@ -27377,7 +27472,7 @@
         </p:nvCxnSpPr>
         <p:spPr>
           <a:xfrm flipV="1">
-            <a:off x="10121357" y="3539642"/>
+            <a:off x="10122527" y="3596580"/>
             <a:ext cx="148390" cy="43847"/>
           </a:xfrm>
           <a:prstGeom prst="line">

--- a/LePl_Server.pptx
+++ b/LePl_Server.pptx
@@ -279,7 +279,7 @@
           <a:p>
             <a:fld id="{54483ECF-B484-47BC-8A21-BE400A6D37B2}" type="datetimeFigureOut">
               <a:rPr lang="ko-KR" altLang="en-US" smtClean="0"/>
-              <a:t>2023-04-27</a:t>
+              <a:t>2023-05-04</a:t>
             </a:fld>
             <a:endParaRPr lang="ko-KR" altLang="en-US"/>
           </a:p>
@@ -477,7 +477,7 @@
           <a:p>
             <a:fld id="{54483ECF-B484-47BC-8A21-BE400A6D37B2}" type="datetimeFigureOut">
               <a:rPr lang="ko-KR" altLang="en-US" smtClean="0"/>
-              <a:t>2023-04-27</a:t>
+              <a:t>2023-05-04</a:t>
             </a:fld>
             <a:endParaRPr lang="ko-KR" altLang="en-US"/>
           </a:p>
@@ -685,7 +685,7 @@
           <a:p>
             <a:fld id="{54483ECF-B484-47BC-8A21-BE400A6D37B2}" type="datetimeFigureOut">
               <a:rPr lang="ko-KR" altLang="en-US" smtClean="0"/>
-              <a:t>2023-04-27</a:t>
+              <a:t>2023-05-04</a:t>
             </a:fld>
             <a:endParaRPr lang="ko-KR" altLang="en-US"/>
           </a:p>
@@ -883,7 +883,7 @@
           <a:p>
             <a:fld id="{54483ECF-B484-47BC-8A21-BE400A6D37B2}" type="datetimeFigureOut">
               <a:rPr lang="ko-KR" altLang="en-US" smtClean="0"/>
-              <a:t>2023-04-27</a:t>
+              <a:t>2023-05-04</a:t>
             </a:fld>
             <a:endParaRPr lang="ko-KR" altLang="en-US"/>
           </a:p>
@@ -1158,7 +1158,7 @@
           <a:p>
             <a:fld id="{54483ECF-B484-47BC-8A21-BE400A6D37B2}" type="datetimeFigureOut">
               <a:rPr lang="ko-KR" altLang="en-US" smtClean="0"/>
-              <a:t>2023-04-27</a:t>
+              <a:t>2023-05-04</a:t>
             </a:fld>
             <a:endParaRPr lang="ko-KR" altLang="en-US"/>
           </a:p>
@@ -1423,7 +1423,7 @@
           <a:p>
             <a:fld id="{54483ECF-B484-47BC-8A21-BE400A6D37B2}" type="datetimeFigureOut">
               <a:rPr lang="ko-KR" altLang="en-US" smtClean="0"/>
-              <a:t>2023-04-27</a:t>
+              <a:t>2023-05-04</a:t>
             </a:fld>
             <a:endParaRPr lang="ko-KR" altLang="en-US"/>
           </a:p>
@@ -1835,7 +1835,7 @@
           <a:p>
             <a:fld id="{54483ECF-B484-47BC-8A21-BE400A6D37B2}" type="datetimeFigureOut">
               <a:rPr lang="ko-KR" altLang="en-US" smtClean="0"/>
-              <a:t>2023-04-27</a:t>
+              <a:t>2023-05-04</a:t>
             </a:fld>
             <a:endParaRPr lang="ko-KR" altLang="en-US"/>
           </a:p>
@@ -1976,7 +1976,7 @@
           <a:p>
             <a:fld id="{54483ECF-B484-47BC-8A21-BE400A6D37B2}" type="datetimeFigureOut">
               <a:rPr lang="ko-KR" altLang="en-US" smtClean="0"/>
-              <a:t>2023-04-27</a:t>
+              <a:t>2023-05-04</a:t>
             </a:fld>
             <a:endParaRPr lang="ko-KR" altLang="en-US"/>
           </a:p>
@@ -2089,7 +2089,7 @@
           <a:p>
             <a:fld id="{54483ECF-B484-47BC-8A21-BE400A6D37B2}" type="datetimeFigureOut">
               <a:rPr lang="ko-KR" altLang="en-US" smtClean="0"/>
-              <a:t>2023-04-27</a:t>
+              <a:t>2023-05-04</a:t>
             </a:fld>
             <a:endParaRPr lang="ko-KR" altLang="en-US"/>
           </a:p>
@@ -2400,7 +2400,7 @@
           <a:p>
             <a:fld id="{54483ECF-B484-47BC-8A21-BE400A6D37B2}" type="datetimeFigureOut">
               <a:rPr lang="ko-KR" altLang="en-US" smtClean="0"/>
-              <a:t>2023-04-27</a:t>
+              <a:t>2023-05-04</a:t>
             </a:fld>
             <a:endParaRPr lang="ko-KR" altLang="en-US"/>
           </a:p>
@@ -2688,7 +2688,7 @@
           <a:p>
             <a:fld id="{54483ECF-B484-47BC-8A21-BE400A6D37B2}" type="datetimeFigureOut">
               <a:rPr lang="ko-KR" altLang="en-US" smtClean="0"/>
-              <a:t>2023-04-27</a:t>
+              <a:t>2023-05-04</a:t>
             </a:fld>
             <a:endParaRPr lang="ko-KR" altLang="en-US"/>
           </a:p>
@@ -2929,7 +2929,7 @@
           <a:p>
             <a:fld id="{54483ECF-B484-47BC-8A21-BE400A6D37B2}" type="datetimeFigureOut">
               <a:rPr lang="ko-KR" altLang="en-US" smtClean="0"/>
-              <a:t>2023-04-27</a:t>
+              <a:t>2023-05-04</a:t>
             </a:fld>
             <a:endParaRPr lang="ko-KR" altLang="en-US"/>
           </a:p>
@@ -3668,10 +3668,10 @@
       </p:sp>
       <p:pic>
         <p:nvPicPr>
-          <p:cNvPr id="5" name="그림 4">
-            <a:extLst>
-              <a:ext uri="{FF2B5EF4-FFF2-40B4-BE49-F238E27FC236}">
-                <a16:creationId xmlns:a16="http://schemas.microsoft.com/office/drawing/2014/main" id="{10EC67D9-F12A-31BC-DC3E-6230364366CE}"/>
+          <p:cNvPr id="6" name="그림 5">
+            <a:extLst>
+              <a:ext uri="{FF2B5EF4-FFF2-40B4-BE49-F238E27FC236}">
+                <a16:creationId xmlns:a16="http://schemas.microsoft.com/office/drawing/2014/main" id="{148CB41A-E5DD-E67F-4CD5-7C233A4661C9}"/>
               </a:ext>
             </a:extLst>
           </p:cNvPr>
@@ -3688,8 +3688,8 @@
         </p:blipFill>
         <p:spPr>
           <a:xfrm>
-            <a:off x="492868" y="942097"/>
-            <a:ext cx="11206263" cy="5151282"/>
+            <a:off x="1918961" y="1062449"/>
+            <a:ext cx="9993120" cy="4829065"/>
           </a:xfrm>
           <a:prstGeom prst="rect">
             <a:avLst/>
@@ -21217,7 +21217,7 @@
         </p:nvSpPr>
         <p:spPr>
           <a:xfrm>
-            <a:off x="4273571" y="1876647"/>
+            <a:off x="3404633" y="2894832"/>
             <a:ext cx="1617617" cy="369332"/>
           </a:xfrm>
           <a:prstGeom prst="rect">
@@ -24683,18 +24683,13 @@
           <a:lstStyle/>
           <a:p>
             <a:r>
-              <a:rPr lang="en-US" altLang="ko-KR" sz="1400" b="1" dirty="0">
+              <a:rPr lang="en-US" altLang="ko-KR" sz="1300" b="1" dirty="0">
                 <a:solidFill>
                   <a:schemeClr val="tx1"/>
                 </a:solidFill>
               </a:rPr>
-              <a:t>MEMBER</a:t>
-            </a:r>
-            <a:endParaRPr lang="en-US" altLang="ko-KR" sz="1300" b="1" dirty="0">
-              <a:solidFill>
-                <a:schemeClr val="tx1"/>
-              </a:solidFill>
-            </a:endParaRPr>
+              <a:t>Member</a:t>
+            </a:r>
           </a:p>
           <a:p>
             <a:endParaRPr lang="en-US" altLang="ko-KR" sz="1300" dirty="0">
@@ -24730,7 +24725,7 @@
                   <a:schemeClr val="tx1"/>
                 </a:solidFill>
               </a:rPr>
-              <a:t>character : CHARACTER</a:t>
+              <a:t>lists : List&lt;Lists&gt;</a:t>
             </a:r>
           </a:p>
           <a:p>
@@ -24740,29 +24735,18 @@
                   <a:schemeClr val="tx1"/>
                 </a:solidFill>
               </a:rPr>
-              <a:t>lists : </a:t>
-            </a:r>
-            <a:r>
-              <a:rPr lang="en-US" altLang="ko-KR" sz="1300" b="1" dirty="0" err="1">
-                <a:solidFill>
-                  <a:schemeClr val="tx1"/>
-                </a:solidFill>
-              </a:rPr>
-              <a:t>ArrayList</a:t>
-            </a:r>
+              <a:t>profile : Profile</a:t>
+            </a:r>
+          </a:p>
+          <a:p>
             <a:r>
               <a:rPr lang="en-US" altLang="ko-KR" sz="1300" b="1" dirty="0">
                 <a:solidFill>
                   <a:schemeClr val="tx1"/>
                 </a:solidFill>
               </a:rPr>
-              <a:t>&lt;LISTS&gt;</a:t>
-            </a:r>
-            <a:endParaRPr lang="ko-KR" altLang="en-US" sz="1300" b="1" dirty="0">
-              <a:solidFill>
-                <a:schemeClr val="tx1"/>
-              </a:solidFill>
-            </a:endParaRPr>
+              <a:t>character : CHARACTER</a:t>
+            </a:r>
           </a:p>
         </p:txBody>
       </p:sp>
@@ -24877,7 +24861,7 @@
                   <a:schemeClr val="tx1"/>
                 </a:solidFill>
               </a:rPr>
-              <a:t>PROFILE</a:t>
+              <a:t>Profile</a:t>
             </a:r>
             <a:endParaRPr lang="en-US" altLang="ko-KR" sz="1300" b="1" dirty="0">
               <a:solidFill>
@@ -24901,16 +24885,18 @@
               </a:rPr>
               <a:t>id : Long</a:t>
             </a:r>
-          </a:p>
-          <a:p>
-            <a:r>
-              <a:rPr lang="en-US" altLang="ko-KR" sz="1300" b="1" dirty="0">
-                <a:solidFill>
-                  <a:schemeClr val="tx1"/>
-                </a:solidFill>
-              </a:rPr>
-              <a:t>member : MEMBER</a:t>
-            </a:r>
+            <a:endParaRPr lang="en-US" altLang="ko-KR" sz="1300" b="1" dirty="0">
+              <a:solidFill>
+                <a:schemeClr val="tx1"/>
+              </a:solidFill>
+            </a:endParaRPr>
+          </a:p>
+          <a:p>
+            <a:endParaRPr lang="en-US" altLang="ko-KR" sz="1300" dirty="0">
+              <a:solidFill>
+                <a:schemeClr val="tx1"/>
+              </a:solidFill>
+            </a:endParaRPr>
           </a:p>
         </p:txBody>
       </p:sp>
@@ -25025,7 +25011,7 @@
                   <a:schemeClr val="tx1"/>
                 </a:solidFill>
               </a:rPr>
-              <a:t>LISTS</a:t>
+              <a:t>Lists</a:t>
             </a:r>
             <a:endParaRPr lang="en-US" altLang="ko-KR" sz="1300" b="1" dirty="0">
               <a:solidFill>
@@ -25057,7 +25043,7 @@
                   <a:schemeClr val="tx1"/>
                 </a:solidFill>
               </a:rPr>
-              <a:t>member : MEMBER</a:t>
+              <a:t>member : Member</a:t>
             </a:r>
           </a:p>
           <a:p>
@@ -25067,7 +25053,7 @@
                   <a:schemeClr val="tx1"/>
                 </a:solidFill>
               </a:rPr>
-              <a:t>lists_date</a:t>
+              <a:t>listsDate</a:t>
             </a:r>
             <a:r>
               <a:rPr lang="en-US" altLang="ko-KR" sz="1300" dirty="0">
@@ -25075,8 +25061,21 @@
                   <a:schemeClr val="tx1"/>
                 </a:solidFill>
               </a:rPr>
-              <a:t> : Date</a:t>
-            </a:r>
+              <a:t> : </a:t>
+            </a:r>
+            <a:r>
+              <a:rPr lang="en-US" altLang="ko-KR" sz="1300" dirty="0" err="1">
+                <a:solidFill>
+                  <a:schemeClr val="tx1"/>
+                </a:solidFill>
+              </a:rPr>
+              <a:t>LocalDateTime</a:t>
+            </a:r>
+            <a:endParaRPr lang="en-US" altLang="ko-KR" sz="1300" dirty="0">
+              <a:solidFill>
+                <a:schemeClr val="tx1"/>
+              </a:solidFill>
+            </a:endParaRPr>
           </a:p>
           <a:p>
             <a:r>
@@ -25085,7 +25084,7 @@
                   <a:schemeClr val="tx1"/>
                 </a:solidFill>
               </a:rPr>
-              <a:t>lists_task</a:t>
+              <a:t>listsTasks</a:t>
             </a:r>
             <a:r>
               <a:rPr lang="en-US" altLang="ko-KR" sz="1300" b="1" dirty="0">
@@ -25093,7 +25092,7 @@
                   <a:schemeClr val="tx1"/>
                 </a:solidFill>
               </a:rPr>
-              <a:t> : </a:t>
+              <a:t> : List&lt;</a:t>
             </a:r>
             <a:r>
               <a:rPr lang="en-US" altLang="ko-KR" sz="1300" b="1" dirty="0" err="1">
@@ -25101,7 +25100,7 @@
                   <a:schemeClr val="tx1"/>
                 </a:solidFill>
               </a:rPr>
-              <a:t>ArrayList</a:t>
+              <a:t>ListsTask</a:t>
             </a:r>
             <a:r>
               <a:rPr lang="en-US" altLang="ko-KR" sz="1300" b="1" dirty="0">
@@ -25109,7 +25108,7 @@
                   <a:schemeClr val="tx1"/>
                 </a:solidFill>
               </a:rPr>
-              <a:t>&lt;LISTS_TASK&gt;</a:t>
+              <a:t>&gt;</a:t>
             </a:r>
             <a:endParaRPr lang="ko-KR" altLang="en-US" sz="1300" b="1" dirty="0">
               <a:solidFill>
@@ -25230,7 +25229,7 @@
                   <a:schemeClr val="tx1"/>
                 </a:solidFill>
               </a:rPr>
-              <a:t>TASK</a:t>
+              <a:t>Task</a:t>
             </a:r>
             <a:endParaRPr lang="en-US" altLang="ko-KR" sz="1300" b="1" dirty="0">
               <a:solidFill>
@@ -25272,8 +25271,21 @@
                   <a:schemeClr val="tx1"/>
                 </a:solidFill>
               </a:rPr>
-              <a:t>start : Datetime</a:t>
-            </a:r>
+              <a:t>start : </a:t>
+            </a:r>
+            <a:r>
+              <a:rPr lang="en-US" altLang="ko-KR" sz="1300" dirty="0" err="1">
+                <a:solidFill>
+                  <a:schemeClr val="tx1"/>
+                </a:solidFill>
+              </a:rPr>
+              <a:t>LocalDateTime</a:t>
+            </a:r>
+            <a:endParaRPr lang="en-US" altLang="ko-KR" sz="1300" dirty="0">
+              <a:solidFill>
+                <a:schemeClr val="tx1"/>
+              </a:solidFill>
+            </a:endParaRPr>
           </a:p>
           <a:p>
             <a:r>
@@ -25282,8 +25294,21 @@
                   <a:schemeClr val="tx1"/>
                 </a:solidFill>
               </a:rPr>
-              <a:t>end : Datetime</a:t>
-            </a:r>
+              <a:t>end : </a:t>
+            </a:r>
+            <a:r>
+              <a:rPr lang="en-US" altLang="ko-KR" sz="1300" dirty="0" err="1">
+                <a:solidFill>
+                  <a:schemeClr val="tx1"/>
+                </a:solidFill>
+              </a:rPr>
+              <a:t>LocalDateTime</a:t>
+            </a:r>
+            <a:endParaRPr lang="en-US" altLang="ko-KR" sz="1300" dirty="0">
+              <a:solidFill>
+                <a:schemeClr val="tx1"/>
+              </a:solidFill>
+            </a:endParaRPr>
           </a:p>
           <a:p>
             <a:r>
@@ -25292,15 +25317,17 @@
                   <a:schemeClr val="tx1"/>
                 </a:solidFill>
               </a:rPr>
-              <a:t>timer : </a:t>
-            </a:r>
+              <a:t>timers : List&lt;Timer&gt;</a:t>
+            </a:r>
+          </a:p>
+          <a:p>
             <a:r>
               <a:rPr lang="en-US" altLang="ko-KR" sz="1300" b="1" dirty="0" err="1">
                 <a:solidFill>
                   <a:schemeClr val="tx1"/>
                 </a:solidFill>
               </a:rPr>
-              <a:t>ArrayList</a:t>
+              <a:t>taskStatus</a:t>
             </a:r>
             <a:r>
               <a:rPr lang="en-US" altLang="ko-KR" sz="1300" b="1" dirty="0">
@@ -25308,26 +25335,21 @@
                   <a:schemeClr val="tx1"/>
                 </a:solidFill>
               </a:rPr>
-              <a:t>&lt;TIMER&gt;</a:t>
-            </a:r>
-          </a:p>
-          <a:p>
+              <a:t> : </a:t>
+            </a:r>
             <a:r>
               <a:rPr lang="en-US" altLang="ko-KR" sz="1300" b="1" dirty="0" err="1">
                 <a:solidFill>
                   <a:schemeClr val="tx1"/>
                 </a:solidFill>
               </a:rPr>
-              <a:t>task_status</a:t>
-            </a:r>
-            <a:r>
-              <a:rPr lang="en-US" altLang="ko-KR" sz="1300" b="1" dirty="0">
-                <a:solidFill>
-                  <a:schemeClr val="tx1"/>
-                </a:solidFill>
-              </a:rPr>
-              <a:t> : TASK_STATUS</a:t>
-            </a:r>
+              <a:t>TaskStatus</a:t>
+            </a:r>
+            <a:endParaRPr lang="en-US" altLang="ko-KR" sz="1300" b="1" dirty="0">
+              <a:solidFill>
+                <a:schemeClr val="tx1"/>
+              </a:solidFill>
+            </a:endParaRPr>
           </a:p>
         </p:txBody>
       </p:sp>
@@ -25437,13 +25459,18 @@
           <a:lstStyle/>
           <a:p>
             <a:r>
-              <a:rPr lang="en-US" altLang="ko-KR" sz="1400" b="1" dirty="0">
+              <a:rPr lang="en-US" altLang="ko-KR" sz="1400" b="1" dirty="0" err="1">
                 <a:solidFill>
                   <a:schemeClr val="tx1"/>
                 </a:solidFill>
               </a:rPr>
-              <a:t>TASK_STATUS</a:t>
-            </a:r>
+              <a:t>TaskStatus</a:t>
+            </a:r>
+            <a:endParaRPr lang="en-US" altLang="ko-KR" sz="1400" b="1" dirty="0">
+              <a:solidFill>
+                <a:schemeClr val="tx1"/>
+              </a:solidFill>
+            </a:endParaRPr>
           </a:p>
           <a:p>
             <a:endParaRPr lang="en-US" altLang="ko-KR" sz="1300" dirty="0">
@@ -25464,22 +25491,12 @@
           </a:p>
           <a:p>
             <a:r>
-              <a:rPr lang="en-US" altLang="ko-KR" sz="1300" dirty="0">
-                <a:solidFill>
-                  <a:schemeClr val="tx1"/>
-                </a:solidFill>
-              </a:rPr>
-              <a:t>status : Boolean</a:t>
-            </a:r>
-          </a:p>
-          <a:p>
-            <a:r>
               <a:rPr lang="en-US" altLang="ko-KR" sz="1300" dirty="0" err="1">
                 <a:solidFill>
                   <a:schemeClr val="tx1"/>
                 </a:solidFill>
               </a:rPr>
-              <a:t>timer_onoff</a:t>
+              <a:t>completedStatus</a:t>
             </a:r>
             <a:r>
               <a:rPr lang="en-US" altLang="ko-KR" sz="1300" dirty="0">
@@ -25489,6 +25506,24 @@
               </a:rPr>
               <a:t> : Boolean</a:t>
             </a:r>
+          </a:p>
+          <a:p>
+            <a:r>
+              <a:rPr lang="en-US" altLang="ko-KR" sz="1300" dirty="0" err="1">
+                <a:solidFill>
+                  <a:schemeClr val="tx1"/>
+                </a:solidFill>
+              </a:rPr>
+              <a:t>timerOnOff</a:t>
+            </a:r>
+            <a:r>
+              <a:rPr lang="en-US" altLang="ko-KR" sz="1300" dirty="0">
+                <a:solidFill>
+                  <a:schemeClr val="tx1"/>
+                </a:solidFill>
+              </a:rPr>
+              <a:t> : Boolean</a:t>
+            </a:r>
             <a:endParaRPr lang="ko-KR" altLang="en-US" sz="1300" dirty="0">
               <a:solidFill>
                 <a:schemeClr val="tx1"/>
@@ -25549,8 +25584,8 @@
         </p:nvSpPr>
         <p:spPr>
           <a:xfrm>
-            <a:off x="10270917" y="705927"/>
-            <a:ext cx="1814286" cy="1491567"/>
+            <a:off x="10270917" y="556337"/>
+            <a:ext cx="1814286" cy="1641157"/>
           </a:xfrm>
           <a:prstGeom prst="rect">
             <a:avLst/>
@@ -25608,7 +25643,7 @@
                   <a:schemeClr val="tx1"/>
                 </a:solidFill>
               </a:rPr>
-              <a:t>TIMER</a:t>
+              <a:t>Timer</a:t>
             </a:r>
           </a:p>
           <a:p>
@@ -25635,7 +25670,7 @@
                   <a:schemeClr val="tx1"/>
                 </a:solidFill>
               </a:rPr>
-              <a:t>task : TASK</a:t>
+              <a:t>task : Task</a:t>
             </a:r>
           </a:p>
           <a:p>
@@ -25645,8 +25680,21 @@
                   <a:schemeClr val="tx1"/>
                 </a:solidFill>
               </a:rPr>
-              <a:t>start : Datetime</a:t>
-            </a:r>
+              <a:t>start : </a:t>
+            </a:r>
+            <a:r>
+              <a:rPr lang="en-US" altLang="ko-KR" sz="1300" dirty="0" err="1">
+                <a:solidFill>
+                  <a:schemeClr val="tx1"/>
+                </a:solidFill>
+              </a:rPr>
+              <a:t>LocalDateTime</a:t>
+            </a:r>
+            <a:endParaRPr lang="en-US" altLang="ko-KR" sz="1300" dirty="0">
+              <a:solidFill>
+                <a:schemeClr val="tx1"/>
+              </a:solidFill>
+            </a:endParaRPr>
           </a:p>
           <a:p>
             <a:r>
@@ -25655,18 +25703,52 @@
                   <a:schemeClr val="tx1"/>
                 </a:solidFill>
               </a:rPr>
-              <a:t>end : Datetime</a:t>
-            </a:r>
-          </a:p>
-          <a:p>
+              <a:t>end : </a:t>
+            </a:r>
+            <a:r>
+              <a:rPr lang="en-US" altLang="ko-KR" sz="1300" dirty="0" err="1">
+                <a:solidFill>
+                  <a:schemeClr val="tx1"/>
+                </a:solidFill>
+              </a:rPr>
+              <a:t>LocalDateTime</a:t>
+            </a:r>
+            <a:endParaRPr lang="en-US" altLang="ko-KR" sz="1300" dirty="0">
+              <a:solidFill>
+                <a:schemeClr val="tx1"/>
+              </a:solidFill>
+            </a:endParaRPr>
+          </a:p>
+          <a:p>
+            <a:r>
+              <a:rPr lang="en-US" altLang="ko-KR" sz="1300" dirty="0" err="1">
+                <a:solidFill>
+                  <a:schemeClr val="tx1"/>
+                </a:solidFill>
+              </a:rPr>
+              <a:t>timerStatus</a:t>
+            </a:r>
             <a:r>
               <a:rPr lang="en-US" altLang="ko-KR" sz="1300" dirty="0">
                 <a:solidFill>
                   <a:schemeClr val="tx1"/>
                 </a:solidFill>
               </a:rPr>
-              <a:t>status : Boolean</a:t>
-            </a:r>
+              <a:t> : </a:t>
+            </a:r>
+            <a:r>
+              <a:rPr lang="en-US" altLang="ko-KR" sz="1300" dirty="0" err="1">
+                <a:solidFill>
+                  <a:schemeClr val="tx1"/>
+                </a:solidFill>
+              </a:rPr>
+              <a:t>TimerStatus</a:t>
+            </a:r>
+            <a:endParaRPr lang="en-US" altLang="ko-KR" sz="1300" dirty="0">
+              <a:solidFill>
+                <a:schemeClr val="tx1"/>
+              </a:solidFill>
+            </a:endParaRPr>
           </a:p>
         </p:txBody>
       </p:sp>
@@ -25686,7 +25768,7 @@
         </p:nvCxnSpPr>
         <p:spPr>
           <a:xfrm>
-            <a:off x="10264286" y="1018075"/>
+            <a:off x="10264286" y="879179"/>
             <a:ext cx="1819747" cy="0"/>
           </a:xfrm>
           <a:prstGeom prst="line">
@@ -25776,13 +25858,18 @@
           <a:lstStyle/>
           <a:p>
             <a:r>
-              <a:rPr lang="en-US" altLang="ko-KR" sz="1400" b="1" dirty="0">
+              <a:rPr lang="en-US" altLang="ko-KR" sz="1400" b="1" dirty="0" err="1">
                 <a:solidFill>
                   <a:schemeClr val="tx1"/>
                 </a:solidFill>
               </a:rPr>
-              <a:t>LISTS_TASK</a:t>
-            </a:r>
+              <a:t>ListsTask</a:t>
+            </a:r>
+            <a:endParaRPr lang="en-US" altLang="ko-KR" sz="1400" b="1" dirty="0">
+              <a:solidFill>
+                <a:schemeClr val="tx1"/>
+              </a:solidFill>
+            </a:endParaRPr>
           </a:p>
           <a:p>
             <a:endParaRPr lang="en-US" altLang="ko-KR" sz="1300" dirty="0">
@@ -25808,7 +25895,7 @@
                   <a:schemeClr val="tx1"/>
                 </a:solidFill>
               </a:rPr>
-              <a:t>lists : LISTS</a:t>
+              <a:t>lists : Lists</a:t>
             </a:r>
           </a:p>
           <a:p>
@@ -25818,7 +25905,7 @@
                   <a:schemeClr val="tx1"/>
                 </a:solidFill>
               </a:rPr>
-              <a:t>task : TASK</a:t>
+              <a:t>task : Task</a:t>
             </a:r>
           </a:p>
           <a:p>
@@ -25828,7 +25915,7 @@
                   <a:schemeClr val="tx1"/>
                 </a:solidFill>
               </a:rPr>
-              <a:t>count : Int</a:t>
+              <a:t>count : Integer</a:t>
             </a:r>
             <a:endParaRPr lang="ko-KR" altLang="en-US" sz="1300" dirty="0">
               <a:solidFill>
@@ -27192,82 +27279,6 @@
       </p:cxnSp>
       <p:cxnSp>
         <p:nvCxnSpPr>
-          <p:cNvPr id="183" name="직선 연결선 182">
-            <a:extLst>
-              <a:ext uri="{FF2B5EF4-FFF2-40B4-BE49-F238E27FC236}">
-                <a16:creationId xmlns:a16="http://schemas.microsoft.com/office/drawing/2014/main" id="{D19EE284-D378-F7C4-02C0-AFB4EA528D5D}"/>
-              </a:ext>
-            </a:extLst>
-          </p:cNvPr>
-          <p:cNvCxnSpPr>
-            <a:cxnSpLocks/>
-          </p:cNvCxnSpPr>
-          <p:nvPr/>
-        </p:nvCxnSpPr>
-        <p:spPr>
-          <a:xfrm>
-            <a:off x="6044647" y="4618753"/>
-            <a:ext cx="53355" cy="193379"/>
-          </a:xfrm>
-          <a:prstGeom prst="line">
-            <a:avLst/>
-          </a:prstGeom>
-        </p:spPr>
-        <p:style>
-          <a:lnRef idx="3">
-            <a:schemeClr val="dk1"/>
-          </a:lnRef>
-          <a:fillRef idx="0">
-            <a:schemeClr val="dk1"/>
-          </a:fillRef>
-          <a:effectRef idx="2">
-            <a:schemeClr val="dk1"/>
-          </a:effectRef>
-          <a:fontRef idx="minor">
-            <a:schemeClr val="tx1"/>
-          </a:fontRef>
-        </p:style>
-      </p:cxnSp>
-      <p:cxnSp>
-        <p:nvCxnSpPr>
-          <p:cNvPr id="184" name="직선 연결선 183">
-            <a:extLst>
-              <a:ext uri="{FF2B5EF4-FFF2-40B4-BE49-F238E27FC236}">
-                <a16:creationId xmlns:a16="http://schemas.microsoft.com/office/drawing/2014/main" id="{B608E9D5-227C-D350-C204-27EFB082A1E0}"/>
-              </a:ext>
-            </a:extLst>
-          </p:cNvPr>
-          <p:cNvCxnSpPr>
-            <a:cxnSpLocks/>
-          </p:cNvCxnSpPr>
-          <p:nvPr/>
-        </p:nvCxnSpPr>
-        <p:spPr>
-          <a:xfrm flipV="1">
-            <a:off x="5975627" y="4618753"/>
-            <a:ext cx="69020" cy="193379"/>
-          </a:xfrm>
-          <a:prstGeom prst="line">
-            <a:avLst/>
-          </a:prstGeom>
-        </p:spPr>
-        <p:style>
-          <a:lnRef idx="3">
-            <a:schemeClr val="dk1"/>
-          </a:lnRef>
-          <a:fillRef idx="0">
-            <a:schemeClr val="dk1"/>
-          </a:fillRef>
-          <a:effectRef idx="2">
-            <a:schemeClr val="dk1"/>
-          </a:effectRef>
-          <a:fontRef idx="minor">
-            <a:schemeClr val="tx1"/>
-          </a:fontRef>
-        </p:style>
-      </p:cxnSp>
-      <p:cxnSp>
-        <p:nvCxnSpPr>
           <p:cNvPr id="192" name="직선 연결선 191">
             <a:extLst>
               <a:ext uri="{FF2B5EF4-FFF2-40B4-BE49-F238E27FC236}">
@@ -27474,6 +27485,82 @@
           <a:xfrm flipV="1">
             <a:off x="10122527" y="3596580"/>
             <a:ext cx="148390" cy="43847"/>
+          </a:xfrm>
+          <a:prstGeom prst="line">
+            <a:avLst/>
+          </a:prstGeom>
+        </p:spPr>
+        <p:style>
+          <a:lnRef idx="3">
+            <a:schemeClr val="dk1"/>
+          </a:lnRef>
+          <a:fillRef idx="0">
+            <a:schemeClr val="dk1"/>
+          </a:fillRef>
+          <a:effectRef idx="2">
+            <a:schemeClr val="dk1"/>
+          </a:effectRef>
+          <a:fontRef idx="minor">
+            <a:schemeClr val="tx1"/>
+          </a:fontRef>
+        </p:style>
+      </p:cxnSp>
+      <p:cxnSp>
+        <p:nvCxnSpPr>
+          <p:cNvPr id="35" name="직선 연결선 34">
+            <a:extLst>
+              <a:ext uri="{FF2B5EF4-FFF2-40B4-BE49-F238E27FC236}">
+                <a16:creationId xmlns:a16="http://schemas.microsoft.com/office/drawing/2014/main" id="{6BCD6961-91FA-4927-C7D9-EC704F45599B}"/>
+              </a:ext>
+            </a:extLst>
+          </p:cNvPr>
+          <p:cNvCxnSpPr>
+            <a:cxnSpLocks/>
+          </p:cNvCxnSpPr>
+          <p:nvPr/>
+        </p:nvCxnSpPr>
+        <p:spPr>
+          <a:xfrm flipV="1">
+            <a:off x="6058437" y="5471246"/>
+            <a:ext cx="62870" cy="179135"/>
+          </a:xfrm>
+          <a:prstGeom prst="line">
+            <a:avLst/>
+          </a:prstGeom>
+        </p:spPr>
+        <p:style>
+          <a:lnRef idx="3">
+            <a:schemeClr val="dk1"/>
+          </a:lnRef>
+          <a:fillRef idx="0">
+            <a:schemeClr val="dk1"/>
+          </a:fillRef>
+          <a:effectRef idx="2">
+            <a:schemeClr val="dk1"/>
+          </a:effectRef>
+          <a:fontRef idx="minor">
+            <a:schemeClr val="tx1"/>
+          </a:fontRef>
+        </p:style>
+      </p:cxnSp>
+      <p:cxnSp>
+        <p:nvCxnSpPr>
+          <p:cNvPr id="36" name="직선 연결선 35">
+            <a:extLst>
+              <a:ext uri="{FF2B5EF4-FFF2-40B4-BE49-F238E27FC236}">
+                <a16:creationId xmlns:a16="http://schemas.microsoft.com/office/drawing/2014/main" id="{17825824-EEE5-5900-514C-B5E19A85A43E}"/>
+              </a:ext>
+            </a:extLst>
+          </p:cNvPr>
+          <p:cNvCxnSpPr>
+            <a:cxnSpLocks/>
+          </p:cNvCxnSpPr>
+          <p:nvPr/>
+        </p:nvCxnSpPr>
+        <p:spPr>
+          <a:xfrm>
+            <a:off x="5997206" y="5471246"/>
+            <a:ext cx="62870" cy="179135"/>
           </a:xfrm>
           <a:prstGeom prst="line">
             <a:avLst/>
@@ -27614,10 +27701,10 @@
       </p:sp>
       <p:pic>
         <p:nvPicPr>
-          <p:cNvPr id="6" name="그림 5">
-            <a:extLst>
-              <a:ext uri="{FF2B5EF4-FFF2-40B4-BE49-F238E27FC236}">
-                <a16:creationId xmlns:a16="http://schemas.microsoft.com/office/drawing/2014/main" id="{BB522715-3F01-BDEF-D00A-ED35CE1A7BA0}"/>
+          <p:cNvPr id="5" name="그림 4">
+            <a:extLst>
+              <a:ext uri="{FF2B5EF4-FFF2-40B4-BE49-F238E27FC236}">
+                <a16:creationId xmlns:a16="http://schemas.microsoft.com/office/drawing/2014/main" id="{08F4750E-F6BC-BF47-331C-B32E6BA609D6}"/>
               </a:ext>
             </a:extLst>
           </p:cNvPr>
@@ -27634,8 +27721,8 @@
         </p:blipFill>
         <p:spPr>
           <a:xfrm>
-            <a:off x="279919" y="1215299"/>
-            <a:ext cx="11682472" cy="5082980"/>
+            <a:off x="1836922" y="1062448"/>
+            <a:ext cx="10050278" cy="5002685"/>
           </a:xfrm>
           <a:prstGeom prst="rect">
             <a:avLst/>

--- a/LePl_Server.pptx
+++ b/LePl_Server.pptx
@@ -3688,8 +3688,8 @@
         </p:blipFill>
         <p:spPr>
           <a:xfrm>
-            <a:off x="1918961" y="1062449"/>
-            <a:ext cx="9993120" cy="4829065"/>
+            <a:off x="279919" y="1062449"/>
+            <a:ext cx="11632162" cy="4829065"/>
           </a:xfrm>
           <a:prstGeom prst="rect">
             <a:avLst/>
@@ -23991,7 +23991,7 @@
                   <a:schemeClr val="tx1"/>
                 </a:solidFill>
               </a:rPr>
-              <a:t>COIN</a:t>
+              <a:t>Coin</a:t>
             </a:r>
             <a:endParaRPr lang="en-US" altLang="ko-KR" sz="1300" b="1" dirty="0">
               <a:solidFill>
@@ -24013,17 +24013,7 @@
                   <a:schemeClr val="tx1"/>
                 </a:solidFill>
               </a:rPr>
-              <a:t>Id : Long</a:t>
-            </a:r>
-          </a:p>
-          <a:p>
-            <a:r>
-              <a:rPr lang="en-US" altLang="ko-KR" sz="1300" b="1" dirty="0">
-                <a:solidFill>
-                  <a:schemeClr val="tx1"/>
-                </a:solidFill>
-              </a:rPr>
-              <a:t>character : CHARACTIER</a:t>
+              <a:t>id : Long</a:t>
             </a:r>
             <a:endParaRPr lang="ko-KR" altLang="en-US" sz="1300" b="1" dirty="0">
               <a:solidFill>
@@ -24038,7 +24028,7 @@
                   <a:schemeClr val="tx1"/>
                 </a:solidFill>
               </a:rPr>
-              <a:t>coin_all</a:t>
+              <a:t>coinAll</a:t>
             </a:r>
             <a:r>
               <a:rPr lang="en-US" altLang="ko-KR" sz="1300" dirty="0">
@@ -24167,7 +24157,7 @@
                   <a:schemeClr val="tx1"/>
                 </a:solidFill>
               </a:rPr>
-              <a:t>EXP</a:t>
+              <a:t>Exp</a:t>
             </a:r>
             <a:endParaRPr lang="en-US" altLang="ko-KR" sz="1300" b="1" dirty="0">
               <a:solidFill>
@@ -24189,23 +24179,8 @@
                   <a:schemeClr val="tx1"/>
                 </a:solidFill>
               </a:rPr>
-              <a:t>Id : Long</a:t>
-            </a:r>
-          </a:p>
-          <a:p>
-            <a:r>
-              <a:rPr lang="en-US" altLang="ko-KR" sz="1300" b="1" dirty="0">
-                <a:solidFill>
-                  <a:schemeClr val="tx1"/>
-                </a:solidFill>
-              </a:rPr>
-              <a:t>character : CHARACTIER</a:t>
-            </a:r>
-            <a:endParaRPr lang="ko-KR" altLang="en-US" sz="1300" b="1" dirty="0">
-              <a:solidFill>
-                <a:schemeClr val="tx1"/>
-              </a:solidFill>
-            </a:endParaRPr>
+              <a:t>id : Long</a:t>
+            </a:r>
           </a:p>
           <a:p>
             <a:r>
@@ -24214,7 +24189,7 @@
                   <a:schemeClr val="tx1"/>
                 </a:solidFill>
               </a:rPr>
-              <a:t>exp_all</a:t>
+              <a:t>expAll</a:t>
             </a:r>
             <a:r>
               <a:rPr lang="en-US" altLang="ko-KR" sz="1300" dirty="0">
@@ -24300,12 +24275,12 @@
           <a:lstStyle/>
           <a:p>
             <a:r>
-              <a:rPr lang="en-US" altLang="ko-KR" sz="1400" b="1" dirty="0">
+              <a:rPr lang="en-US" altLang="ko-KR" sz="1400" b="1" dirty="0" err="1">
                 <a:solidFill>
                   <a:schemeClr val="tx1"/>
                 </a:solidFill>
               </a:rPr>
-              <a:t>ITEM</a:t>
+              <a:t>CharacterItem</a:t>
             </a:r>
             <a:endParaRPr lang="en-US" altLang="ko-KR" sz="1300" b="1" dirty="0">
               <a:solidFill>
@@ -24327,7 +24302,7 @@
                   <a:schemeClr val="tx1"/>
                 </a:solidFill>
               </a:rPr>
-              <a:t>Id : Long</a:t>
+              <a:t>id : Long</a:t>
             </a:r>
           </a:p>
           <a:p>
@@ -24337,7 +24312,7 @@
                   <a:schemeClr val="tx1"/>
                 </a:solidFill>
               </a:rPr>
-              <a:t>character : CHARACTIER</a:t>
+              <a:t>character : Character</a:t>
             </a:r>
             <a:endParaRPr lang="ko-KR" altLang="en-US" sz="1300" b="1" dirty="0">
               <a:solidFill>
@@ -24352,7 +24327,7 @@
                   <a:schemeClr val="tx1"/>
                 </a:solidFill>
               </a:rPr>
-              <a:t>item_id</a:t>
+              <a:t>itemId</a:t>
             </a:r>
             <a:r>
               <a:rPr lang="en-US" altLang="ko-KR" sz="1300" dirty="0">
@@ -24370,7 +24345,7 @@
                   <a:schemeClr val="tx1"/>
                 </a:solidFill>
               </a:rPr>
-              <a:t>wearing_status</a:t>
+              <a:t>wearingStatus</a:t>
             </a:r>
             <a:r>
               <a:rPr lang="en-US" altLang="ko-KR" sz="1300" dirty="0">
@@ -24494,7 +24469,7 @@
                   <a:schemeClr val="tx1"/>
                 </a:solidFill>
               </a:rPr>
-              <a:t>CHARACTER</a:t>
+              <a:t>Character</a:t>
             </a:r>
             <a:endParaRPr lang="en-US" altLang="ko-KR" sz="1300" b="1" dirty="0">
               <a:solidFill>
@@ -24536,7 +24511,7 @@
                   <a:schemeClr val="tx1"/>
                 </a:solidFill>
               </a:rPr>
-              <a:t>coin : COIN</a:t>
+              <a:t>coin : Coin</a:t>
             </a:r>
           </a:p>
           <a:p>
@@ -24546,17 +24521,25 @@
                   <a:schemeClr val="tx1"/>
                 </a:solidFill>
               </a:rPr>
-              <a:t>exp : EXP</a:t>
-            </a:r>
-          </a:p>
-          <a:p>
+              <a:t>exp : Exp</a:t>
+            </a:r>
+          </a:p>
+          <a:p>
+            <a:r>
+              <a:rPr lang="en-US" altLang="ko-KR" sz="1300" b="1" dirty="0" err="1">
+                <a:solidFill>
+                  <a:schemeClr val="tx1"/>
+                </a:solidFill>
+              </a:rPr>
+              <a:t>characterItems</a:t>
+            </a:r>
             <a:r>
               <a:rPr lang="en-US" altLang="ko-KR" sz="1300" b="1" dirty="0">
                 <a:solidFill>
                   <a:schemeClr val="tx1"/>
                 </a:solidFill>
               </a:rPr>
-              <a:t>item : </a:t>
+              <a:t> : List&lt;</a:t>
             </a:r>
             <a:r>
               <a:rPr lang="en-US" altLang="ko-KR" sz="1300" b="1" dirty="0" err="1">
@@ -24564,7 +24547,7 @@
                   <a:schemeClr val="tx1"/>
                 </a:solidFill>
               </a:rPr>
-              <a:t>ArrayList</a:t>
+              <a:t>CharacterItem</a:t>
             </a:r>
             <a:r>
               <a:rPr lang="en-US" altLang="ko-KR" sz="1300" b="1" dirty="0">
@@ -24572,7 +24555,7 @@
                   <a:schemeClr val="tx1"/>
                 </a:solidFill>
               </a:rPr>
-              <a:t>&lt;ITEM&gt;</a:t>
+              <a:t>&gt;</a:t>
             </a:r>
           </a:p>
         </p:txBody>
@@ -25266,12 +25249,20 @@
           </a:p>
           <a:p>
             <a:r>
+              <a:rPr lang="en-US" altLang="ko-KR" sz="1300" dirty="0" err="1">
+                <a:solidFill>
+                  <a:schemeClr val="tx1"/>
+                </a:solidFill>
+              </a:rPr>
+              <a:t>startTime</a:t>
+            </a:r>
+            <a:r>
               <a:rPr lang="en-US" altLang="ko-KR" sz="1300" dirty="0">
                 <a:solidFill>
                   <a:schemeClr val="tx1"/>
                 </a:solidFill>
               </a:rPr>
-              <a:t>start : </a:t>
+              <a:t> : </a:t>
             </a:r>
             <a:r>
               <a:rPr lang="en-US" altLang="ko-KR" sz="1300" dirty="0" err="1">
@@ -25289,12 +25280,20 @@
           </a:p>
           <a:p>
             <a:r>
+              <a:rPr lang="en-US" altLang="ko-KR" sz="1300" dirty="0" err="1">
+                <a:solidFill>
+                  <a:schemeClr val="tx1"/>
+                </a:solidFill>
+              </a:rPr>
+              <a:t>endTime</a:t>
+            </a:r>
+            <a:r>
               <a:rPr lang="en-US" altLang="ko-KR" sz="1300" dirty="0">
                 <a:solidFill>
                   <a:schemeClr val="tx1"/>
                 </a:solidFill>
               </a:rPr>
-              <a:t>end : </a:t>
+              <a:t> : </a:t>
             </a:r>
             <a:r>
               <a:rPr lang="en-US" altLang="ko-KR" sz="1300" dirty="0" err="1">
@@ -25369,7 +25368,7 @@
         </p:nvCxnSpPr>
         <p:spPr>
           <a:xfrm>
-            <a:off x="10273622" y="2967459"/>
+            <a:off x="10273622" y="2929889"/>
             <a:ext cx="1810411" cy="0"/>
           </a:xfrm>
           <a:prstGeom prst="line">
@@ -25584,8 +25583,8 @@
         </p:nvSpPr>
         <p:spPr>
           <a:xfrm>
-            <a:off x="10270917" y="556337"/>
-            <a:ext cx="1814286" cy="1641157"/>
+            <a:off x="10270917" y="25655"/>
+            <a:ext cx="1814286" cy="2171840"/>
           </a:xfrm>
           <a:prstGeom prst="rect">
             <a:avLst/>
@@ -25675,12 +25674,20 @@
           </a:p>
           <a:p>
             <a:r>
+              <a:rPr lang="en-US" altLang="ko-KR" sz="1300" dirty="0" err="1">
+                <a:solidFill>
+                  <a:schemeClr val="tx1"/>
+                </a:solidFill>
+              </a:rPr>
+              <a:t>startTime</a:t>
+            </a:r>
+            <a:r>
               <a:rPr lang="en-US" altLang="ko-KR" sz="1300" dirty="0">
                 <a:solidFill>
                   <a:schemeClr val="tx1"/>
                 </a:solidFill>
               </a:rPr>
-              <a:t>start : </a:t>
+              <a:t> : </a:t>
             </a:r>
             <a:r>
               <a:rPr lang="en-US" altLang="ko-KR" sz="1300" dirty="0" err="1">
@@ -25698,12 +25705,20 @@
           </a:p>
           <a:p>
             <a:r>
+              <a:rPr lang="en-US" altLang="ko-KR" sz="1300" dirty="0" err="1">
+                <a:solidFill>
+                  <a:schemeClr val="tx1"/>
+                </a:solidFill>
+              </a:rPr>
+              <a:t>endTime</a:t>
+            </a:r>
+            <a:r>
               <a:rPr lang="en-US" altLang="ko-KR" sz="1300" dirty="0">
                 <a:solidFill>
                   <a:schemeClr val="tx1"/>
                 </a:solidFill>
               </a:rPr>
-              <a:t>end : </a:t>
+              <a:t> : </a:t>
             </a:r>
             <a:r>
               <a:rPr lang="en-US" altLang="ko-KR" sz="1300" dirty="0" err="1">
@@ -25768,7 +25783,7 @@
         </p:nvCxnSpPr>
         <p:spPr>
           <a:xfrm>
-            <a:off x="10264286" y="879179"/>
+            <a:off x="10264286" y="457838"/>
             <a:ext cx="1819747" cy="0"/>
           </a:xfrm>
           <a:prstGeom prst="line">
@@ -26021,8 +26036,8 @@
         </p:nvCxnSpPr>
         <p:spPr>
           <a:xfrm flipH="1">
-            <a:off x="11176890" y="2197494"/>
-            <a:ext cx="1170" cy="315900"/>
+            <a:off x="11176890" y="2197495"/>
+            <a:ext cx="1170" cy="315899"/>
           </a:xfrm>
           <a:prstGeom prst="line">
             <a:avLst/>
@@ -27701,10 +27716,10 @@
       </p:sp>
       <p:pic>
         <p:nvPicPr>
-          <p:cNvPr id="5" name="그림 4">
-            <a:extLst>
-              <a:ext uri="{FF2B5EF4-FFF2-40B4-BE49-F238E27FC236}">
-                <a16:creationId xmlns:a16="http://schemas.microsoft.com/office/drawing/2014/main" id="{08F4750E-F6BC-BF47-331C-B32E6BA609D6}"/>
+          <p:cNvPr id="6" name="그림 5">
+            <a:extLst>
+              <a:ext uri="{FF2B5EF4-FFF2-40B4-BE49-F238E27FC236}">
+                <a16:creationId xmlns:a16="http://schemas.microsoft.com/office/drawing/2014/main" id="{73B85BC9-3F7D-8163-19BA-6A5B532A33F2}"/>
               </a:ext>
             </a:extLst>
           </p:cNvPr>
@@ -27721,8 +27736,8 @@
         </p:blipFill>
         <p:spPr>
           <a:xfrm>
-            <a:off x="1836922" y="1062448"/>
-            <a:ext cx="10050278" cy="5002685"/>
+            <a:off x="0" y="1228726"/>
+            <a:ext cx="12192000" cy="4814888"/>
           </a:xfrm>
           <a:prstGeom prst="rect">
             <a:avLst/>

--- a/LePl_Server.pptx
+++ b/LePl_Server.pptx
@@ -24693,6 +24693,24 @@
           </a:p>
           <a:p>
             <a:r>
+              <a:rPr lang="en-US" altLang="ko-KR" sz="1300" dirty="0" err="1">
+                <a:solidFill>
+                  <a:schemeClr val="tx1"/>
+                </a:solidFill>
+              </a:rPr>
+              <a:t>uid</a:t>
+            </a:r>
+            <a:r>
+              <a:rPr lang="en-US" altLang="ko-KR" sz="1300" dirty="0">
+                <a:solidFill>
+                  <a:schemeClr val="tx1"/>
+                </a:solidFill>
+              </a:rPr>
+              <a:t>: String</a:t>
+            </a:r>
+          </a:p>
+          <a:p>
+            <a:r>
               <a:rPr lang="en-US" altLang="ko-KR" sz="1300" dirty="0">
                 <a:solidFill>
                   <a:schemeClr val="tx1"/>

--- a/LePl_Server.pptx
+++ b/LePl_Server.pptx
@@ -279,7 +279,7 @@
           <a:p>
             <a:fld id="{54483ECF-B484-47BC-8A21-BE400A6D37B2}" type="datetimeFigureOut">
               <a:rPr lang="ko-KR" altLang="en-US" smtClean="0"/>
-              <a:t>2023-05-04</a:t>
+              <a:t>2023-04-27</a:t>
             </a:fld>
             <a:endParaRPr lang="ko-KR" altLang="en-US"/>
           </a:p>
@@ -477,7 +477,7 @@
           <a:p>
             <a:fld id="{54483ECF-B484-47BC-8A21-BE400A6D37B2}" type="datetimeFigureOut">
               <a:rPr lang="ko-KR" altLang="en-US" smtClean="0"/>
-              <a:t>2023-05-04</a:t>
+              <a:t>2023-04-27</a:t>
             </a:fld>
             <a:endParaRPr lang="ko-KR" altLang="en-US"/>
           </a:p>
@@ -685,7 +685,7 @@
           <a:p>
             <a:fld id="{54483ECF-B484-47BC-8A21-BE400A6D37B2}" type="datetimeFigureOut">
               <a:rPr lang="ko-KR" altLang="en-US" smtClean="0"/>
-              <a:t>2023-05-04</a:t>
+              <a:t>2023-04-27</a:t>
             </a:fld>
             <a:endParaRPr lang="ko-KR" altLang="en-US"/>
           </a:p>
@@ -883,7 +883,7 @@
           <a:p>
             <a:fld id="{54483ECF-B484-47BC-8A21-BE400A6D37B2}" type="datetimeFigureOut">
               <a:rPr lang="ko-KR" altLang="en-US" smtClean="0"/>
-              <a:t>2023-05-04</a:t>
+              <a:t>2023-04-27</a:t>
             </a:fld>
             <a:endParaRPr lang="ko-KR" altLang="en-US"/>
           </a:p>
@@ -1158,7 +1158,7 @@
           <a:p>
             <a:fld id="{54483ECF-B484-47BC-8A21-BE400A6D37B2}" type="datetimeFigureOut">
               <a:rPr lang="ko-KR" altLang="en-US" smtClean="0"/>
-              <a:t>2023-05-04</a:t>
+              <a:t>2023-04-27</a:t>
             </a:fld>
             <a:endParaRPr lang="ko-KR" altLang="en-US"/>
           </a:p>
@@ -1423,7 +1423,7 @@
           <a:p>
             <a:fld id="{54483ECF-B484-47BC-8A21-BE400A6D37B2}" type="datetimeFigureOut">
               <a:rPr lang="ko-KR" altLang="en-US" smtClean="0"/>
-              <a:t>2023-05-04</a:t>
+              <a:t>2023-04-27</a:t>
             </a:fld>
             <a:endParaRPr lang="ko-KR" altLang="en-US"/>
           </a:p>
@@ -1835,7 +1835,7 @@
           <a:p>
             <a:fld id="{54483ECF-B484-47BC-8A21-BE400A6D37B2}" type="datetimeFigureOut">
               <a:rPr lang="ko-KR" altLang="en-US" smtClean="0"/>
-              <a:t>2023-05-04</a:t>
+              <a:t>2023-04-27</a:t>
             </a:fld>
             <a:endParaRPr lang="ko-KR" altLang="en-US"/>
           </a:p>
@@ -1976,7 +1976,7 @@
           <a:p>
             <a:fld id="{54483ECF-B484-47BC-8A21-BE400A6D37B2}" type="datetimeFigureOut">
               <a:rPr lang="ko-KR" altLang="en-US" smtClean="0"/>
-              <a:t>2023-05-04</a:t>
+              <a:t>2023-04-27</a:t>
             </a:fld>
             <a:endParaRPr lang="ko-KR" altLang="en-US"/>
           </a:p>
@@ -2089,7 +2089,7 @@
           <a:p>
             <a:fld id="{54483ECF-B484-47BC-8A21-BE400A6D37B2}" type="datetimeFigureOut">
               <a:rPr lang="ko-KR" altLang="en-US" smtClean="0"/>
-              <a:t>2023-05-04</a:t>
+              <a:t>2023-04-27</a:t>
             </a:fld>
             <a:endParaRPr lang="ko-KR" altLang="en-US"/>
           </a:p>
@@ -2400,7 +2400,7 @@
           <a:p>
             <a:fld id="{54483ECF-B484-47BC-8A21-BE400A6D37B2}" type="datetimeFigureOut">
               <a:rPr lang="ko-KR" altLang="en-US" smtClean="0"/>
-              <a:t>2023-05-04</a:t>
+              <a:t>2023-04-27</a:t>
             </a:fld>
             <a:endParaRPr lang="ko-KR" altLang="en-US"/>
           </a:p>
@@ -2688,7 +2688,7 @@
           <a:p>
             <a:fld id="{54483ECF-B484-47BC-8A21-BE400A6D37B2}" type="datetimeFigureOut">
               <a:rPr lang="ko-KR" altLang="en-US" smtClean="0"/>
-              <a:t>2023-05-04</a:t>
+              <a:t>2023-04-27</a:t>
             </a:fld>
             <a:endParaRPr lang="ko-KR" altLang="en-US"/>
           </a:p>
@@ -2929,7 +2929,7 @@
           <a:p>
             <a:fld id="{54483ECF-B484-47BC-8A21-BE400A6D37B2}" type="datetimeFigureOut">
               <a:rPr lang="ko-KR" altLang="en-US" smtClean="0"/>
-              <a:t>2023-05-04</a:t>
+              <a:t>2023-04-27</a:t>
             </a:fld>
             <a:endParaRPr lang="ko-KR" altLang="en-US"/>
           </a:p>
@@ -3668,10 +3668,10 @@
       </p:sp>
       <p:pic>
         <p:nvPicPr>
-          <p:cNvPr id="6" name="그림 5">
-            <a:extLst>
-              <a:ext uri="{FF2B5EF4-FFF2-40B4-BE49-F238E27FC236}">
-                <a16:creationId xmlns:a16="http://schemas.microsoft.com/office/drawing/2014/main" id="{148CB41A-E5DD-E67F-4CD5-7C233A4661C9}"/>
+          <p:cNvPr id="5" name="그림 4">
+            <a:extLst>
+              <a:ext uri="{FF2B5EF4-FFF2-40B4-BE49-F238E27FC236}">
+                <a16:creationId xmlns:a16="http://schemas.microsoft.com/office/drawing/2014/main" id="{10EC67D9-F12A-31BC-DC3E-6230364366CE}"/>
               </a:ext>
             </a:extLst>
           </p:cNvPr>
@@ -3688,8 +3688,8 @@
         </p:blipFill>
         <p:spPr>
           <a:xfrm>
-            <a:off x="279919" y="1062449"/>
-            <a:ext cx="11632162" cy="4829065"/>
+            <a:off x="492868" y="942097"/>
+            <a:ext cx="11206263" cy="5151282"/>
           </a:xfrm>
           <a:prstGeom prst="rect">
             <a:avLst/>
@@ -21217,7 +21217,7 @@
         </p:nvSpPr>
         <p:spPr>
           <a:xfrm>
-            <a:off x="3404633" y="2894832"/>
+            <a:off x="4273571" y="1876647"/>
             <a:ext cx="1617617" cy="369332"/>
           </a:xfrm>
           <a:prstGeom prst="rect">
@@ -23991,7 +23991,7 @@
                   <a:schemeClr val="tx1"/>
                 </a:solidFill>
               </a:rPr>
-              <a:t>Coin</a:t>
+              <a:t>COIN</a:t>
             </a:r>
             <a:endParaRPr lang="en-US" altLang="ko-KR" sz="1300" b="1" dirty="0">
               <a:solidFill>
@@ -24013,7 +24013,17 @@
                   <a:schemeClr val="tx1"/>
                 </a:solidFill>
               </a:rPr>
-              <a:t>id : Long</a:t>
+              <a:t>Id : Long</a:t>
+            </a:r>
+          </a:p>
+          <a:p>
+            <a:r>
+              <a:rPr lang="en-US" altLang="ko-KR" sz="1300" b="1" dirty="0">
+                <a:solidFill>
+                  <a:schemeClr val="tx1"/>
+                </a:solidFill>
+              </a:rPr>
+              <a:t>character : CHARACTIER</a:t>
             </a:r>
             <a:endParaRPr lang="ko-KR" altLang="en-US" sz="1300" b="1" dirty="0">
               <a:solidFill>
@@ -24028,7 +24038,7 @@
                   <a:schemeClr val="tx1"/>
                 </a:solidFill>
               </a:rPr>
-              <a:t>coinAll</a:t>
+              <a:t>coin_all</a:t>
             </a:r>
             <a:r>
               <a:rPr lang="en-US" altLang="ko-KR" sz="1300" dirty="0">
@@ -24157,7 +24167,7 @@
                   <a:schemeClr val="tx1"/>
                 </a:solidFill>
               </a:rPr>
-              <a:t>Exp</a:t>
+              <a:t>EXP</a:t>
             </a:r>
             <a:endParaRPr lang="en-US" altLang="ko-KR" sz="1300" b="1" dirty="0">
               <a:solidFill>
@@ -24179,8 +24189,23 @@
                   <a:schemeClr val="tx1"/>
                 </a:solidFill>
               </a:rPr>
-              <a:t>id : Long</a:t>
-            </a:r>
+              <a:t>Id : Long</a:t>
+            </a:r>
+          </a:p>
+          <a:p>
+            <a:r>
+              <a:rPr lang="en-US" altLang="ko-KR" sz="1300" b="1" dirty="0">
+                <a:solidFill>
+                  <a:schemeClr val="tx1"/>
+                </a:solidFill>
+              </a:rPr>
+              <a:t>character : CHARACTIER</a:t>
+            </a:r>
+            <a:endParaRPr lang="ko-KR" altLang="en-US" sz="1300" b="1" dirty="0">
+              <a:solidFill>
+                <a:schemeClr val="tx1"/>
+              </a:solidFill>
+            </a:endParaRPr>
           </a:p>
           <a:p>
             <a:r>
@@ -24189,7 +24214,7 @@
                   <a:schemeClr val="tx1"/>
                 </a:solidFill>
               </a:rPr>
-              <a:t>expAll</a:t>
+              <a:t>exp_all</a:t>
             </a:r>
             <a:r>
               <a:rPr lang="en-US" altLang="ko-KR" sz="1300" dirty="0">
@@ -24275,12 +24300,12 @@
           <a:lstStyle/>
           <a:p>
             <a:r>
-              <a:rPr lang="en-US" altLang="ko-KR" sz="1400" b="1" dirty="0" err="1">
+              <a:rPr lang="en-US" altLang="ko-KR" sz="1400" b="1" dirty="0">
                 <a:solidFill>
                   <a:schemeClr val="tx1"/>
                 </a:solidFill>
               </a:rPr>
-              <a:t>CharacterItem</a:t>
+              <a:t>ITEM</a:t>
             </a:r>
             <a:endParaRPr lang="en-US" altLang="ko-KR" sz="1300" b="1" dirty="0">
               <a:solidFill>
@@ -24302,7 +24327,7 @@
                   <a:schemeClr val="tx1"/>
                 </a:solidFill>
               </a:rPr>
-              <a:t>id : Long</a:t>
+              <a:t>Id : Long</a:t>
             </a:r>
           </a:p>
           <a:p>
@@ -24312,7 +24337,7 @@
                   <a:schemeClr val="tx1"/>
                 </a:solidFill>
               </a:rPr>
-              <a:t>character : Character</a:t>
+              <a:t>character : CHARACTIER</a:t>
             </a:r>
             <a:endParaRPr lang="ko-KR" altLang="en-US" sz="1300" b="1" dirty="0">
               <a:solidFill>
@@ -24327,7 +24352,7 @@
                   <a:schemeClr val="tx1"/>
                 </a:solidFill>
               </a:rPr>
-              <a:t>itemId</a:t>
+              <a:t>item_id</a:t>
             </a:r>
             <a:r>
               <a:rPr lang="en-US" altLang="ko-KR" sz="1300" dirty="0">
@@ -24345,7 +24370,7 @@
                   <a:schemeClr val="tx1"/>
                 </a:solidFill>
               </a:rPr>
-              <a:t>wearingStatus</a:t>
+              <a:t>wearing_status</a:t>
             </a:r>
             <a:r>
               <a:rPr lang="en-US" altLang="ko-KR" sz="1300" dirty="0">
@@ -24469,7 +24494,7 @@
                   <a:schemeClr val="tx1"/>
                 </a:solidFill>
               </a:rPr>
-              <a:t>Character</a:t>
+              <a:t>CHARACTER</a:t>
             </a:r>
             <a:endParaRPr lang="en-US" altLang="ko-KR" sz="1300" b="1" dirty="0">
               <a:solidFill>
@@ -24511,7 +24536,7 @@
                   <a:schemeClr val="tx1"/>
                 </a:solidFill>
               </a:rPr>
-              <a:t>coin : Coin</a:t>
+              <a:t>coin : COIN</a:t>
             </a:r>
           </a:p>
           <a:p>
@@ -24521,17 +24546,25 @@
                   <a:schemeClr val="tx1"/>
                 </a:solidFill>
               </a:rPr>
-              <a:t>exp : Exp</a:t>
-            </a:r>
-          </a:p>
-          <a:p>
+              <a:t>exp : EXP</a:t>
+            </a:r>
+          </a:p>
+          <a:p>
+            <a:r>
+              <a:rPr lang="en-US" altLang="ko-KR" sz="1300" b="1" dirty="0">
+                <a:solidFill>
+                  <a:schemeClr val="tx1"/>
+                </a:solidFill>
+              </a:rPr>
+              <a:t>item : </a:t>
+            </a:r>
             <a:r>
               <a:rPr lang="en-US" altLang="ko-KR" sz="1300" b="1" dirty="0" err="1">
                 <a:solidFill>
                   <a:schemeClr val="tx1"/>
                 </a:solidFill>
               </a:rPr>
-              <a:t>characterItems</a:t>
+              <a:t>ArrayList</a:t>
             </a:r>
             <a:r>
               <a:rPr lang="en-US" altLang="ko-KR" sz="1300" b="1" dirty="0">
@@ -24539,23 +24572,7 @@
                   <a:schemeClr val="tx1"/>
                 </a:solidFill>
               </a:rPr>
-              <a:t> : List&lt;</a:t>
-            </a:r>
-            <a:r>
-              <a:rPr lang="en-US" altLang="ko-KR" sz="1300" b="1" dirty="0" err="1">
-                <a:solidFill>
-                  <a:schemeClr val="tx1"/>
-                </a:solidFill>
-              </a:rPr>
-              <a:t>CharacterItem</a:t>
-            </a:r>
-            <a:r>
-              <a:rPr lang="en-US" altLang="ko-KR" sz="1300" b="1" dirty="0">
-                <a:solidFill>
-                  <a:schemeClr val="tx1"/>
-                </a:solidFill>
-              </a:rPr>
-              <a:t>&gt;</a:t>
+              <a:t>&lt;ITEM&gt;</a:t>
             </a:r>
           </a:p>
         </p:txBody>
@@ -24666,13 +24683,18 @@
           <a:lstStyle/>
           <a:p>
             <a:r>
-              <a:rPr lang="en-US" altLang="ko-KR" sz="1300" b="1" dirty="0">
+              <a:rPr lang="en-US" altLang="ko-KR" sz="1400" b="1" dirty="0">
                 <a:solidFill>
                   <a:schemeClr val="tx1"/>
                 </a:solidFill>
               </a:rPr>
-              <a:t>Member</a:t>
-            </a:r>
+              <a:t>MEMBER</a:t>
+            </a:r>
+            <a:endParaRPr lang="en-US" altLang="ko-KR" sz="1300" b="1" dirty="0">
+              <a:solidFill>
+                <a:schemeClr val="tx1"/>
+              </a:solidFill>
+            </a:endParaRPr>
           </a:p>
           <a:p>
             <a:endParaRPr lang="en-US" altLang="ko-KR" sz="1300" dirty="0">
@@ -24693,24 +24715,6 @@
           </a:p>
           <a:p>
             <a:r>
-              <a:rPr lang="en-US" altLang="ko-KR" sz="1300" dirty="0" err="1">
-                <a:solidFill>
-                  <a:schemeClr val="tx1"/>
-                </a:solidFill>
-              </a:rPr>
-              <a:t>uid</a:t>
-            </a:r>
-            <a:r>
-              <a:rPr lang="en-US" altLang="ko-KR" sz="1300" dirty="0">
-                <a:solidFill>
-                  <a:schemeClr val="tx1"/>
-                </a:solidFill>
-              </a:rPr>
-              <a:t>: String</a:t>
-            </a:r>
-          </a:p>
-          <a:p>
-            <a:r>
               <a:rPr lang="en-US" altLang="ko-KR" sz="1300" dirty="0">
                 <a:solidFill>
                   <a:schemeClr val="tx1"/>
@@ -24726,7 +24730,7 @@
                   <a:schemeClr val="tx1"/>
                 </a:solidFill>
               </a:rPr>
-              <a:t>lists : List&lt;Lists&gt;</a:t>
+              <a:t>character : CHARACTER</a:t>
             </a:r>
           </a:p>
           <a:p>
@@ -24736,18 +24740,29 @@
                   <a:schemeClr val="tx1"/>
                 </a:solidFill>
               </a:rPr>
-              <a:t>profile : Profile</a:t>
-            </a:r>
-          </a:p>
-          <a:p>
+              <a:t>lists : </a:t>
+            </a:r>
+            <a:r>
+              <a:rPr lang="en-US" altLang="ko-KR" sz="1300" b="1" dirty="0" err="1">
+                <a:solidFill>
+                  <a:schemeClr val="tx1"/>
+                </a:solidFill>
+              </a:rPr>
+              <a:t>ArrayList</a:t>
+            </a:r>
             <a:r>
               <a:rPr lang="en-US" altLang="ko-KR" sz="1300" b="1" dirty="0">
                 <a:solidFill>
                   <a:schemeClr val="tx1"/>
                 </a:solidFill>
               </a:rPr>
-              <a:t>character : CHARACTER</a:t>
-            </a:r>
+              <a:t>&lt;LISTS&gt;</a:t>
+            </a:r>
+            <a:endParaRPr lang="ko-KR" altLang="en-US" sz="1300" b="1" dirty="0">
+              <a:solidFill>
+                <a:schemeClr val="tx1"/>
+              </a:solidFill>
+            </a:endParaRPr>
           </a:p>
         </p:txBody>
       </p:sp>
@@ -24862,7 +24877,7 @@
                   <a:schemeClr val="tx1"/>
                 </a:solidFill>
               </a:rPr>
-              <a:t>Profile</a:t>
+              <a:t>PROFILE</a:t>
             </a:r>
             <a:endParaRPr lang="en-US" altLang="ko-KR" sz="1300" b="1" dirty="0">
               <a:solidFill>
@@ -24886,18 +24901,16 @@
               </a:rPr>
               <a:t>id : Long</a:t>
             </a:r>
-            <a:endParaRPr lang="en-US" altLang="ko-KR" sz="1300" b="1" dirty="0">
-              <a:solidFill>
-                <a:schemeClr val="tx1"/>
-              </a:solidFill>
-            </a:endParaRPr>
-          </a:p>
-          <a:p>
-            <a:endParaRPr lang="en-US" altLang="ko-KR" sz="1300" dirty="0">
-              <a:solidFill>
-                <a:schemeClr val="tx1"/>
-              </a:solidFill>
-            </a:endParaRPr>
+          </a:p>
+          <a:p>
+            <a:r>
+              <a:rPr lang="en-US" altLang="ko-KR" sz="1300" b="1" dirty="0">
+                <a:solidFill>
+                  <a:schemeClr val="tx1"/>
+                </a:solidFill>
+              </a:rPr>
+              <a:t>member : MEMBER</a:t>
+            </a:r>
           </a:p>
         </p:txBody>
       </p:sp>
@@ -25012,7 +25025,7 @@
                   <a:schemeClr val="tx1"/>
                 </a:solidFill>
               </a:rPr>
-              <a:t>Lists</a:t>
+              <a:t>LISTS</a:t>
             </a:r>
             <a:endParaRPr lang="en-US" altLang="ko-KR" sz="1300" b="1" dirty="0">
               <a:solidFill>
@@ -25044,7 +25057,7 @@
                   <a:schemeClr val="tx1"/>
                 </a:solidFill>
               </a:rPr>
-              <a:t>member : Member</a:t>
+              <a:t>member : MEMBER</a:t>
             </a:r>
           </a:p>
           <a:p>
@@ -25054,7 +25067,7 @@
                   <a:schemeClr val="tx1"/>
                 </a:solidFill>
               </a:rPr>
-              <a:t>listsDate</a:t>
+              <a:t>lists_date</a:t>
             </a:r>
             <a:r>
               <a:rPr lang="en-US" altLang="ko-KR" sz="1300" dirty="0">
@@ -25062,21 +25075,8 @@
                   <a:schemeClr val="tx1"/>
                 </a:solidFill>
               </a:rPr>
-              <a:t> : </a:t>
-            </a:r>
-            <a:r>
-              <a:rPr lang="en-US" altLang="ko-KR" sz="1300" dirty="0" err="1">
-                <a:solidFill>
-                  <a:schemeClr val="tx1"/>
-                </a:solidFill>
-              </a:rPr>
-              <a:t>LocalDateTime</a:t>
-            </a:r>
-            <a:endParaRPr lang="en-US" altLang="ko-KR" sz="1300" dirty="0">
-              <a:solidFill>
-                <a:schemeClr val="tx1"/>
-              </a:solidFill>
-            </a:endParaRPr>
+              <a:t> : Date</a:t>
+            </a:r>
           </a:p>
           <a:p>
             <a:r>
@@ -25085,7 +25085,7 @@
                   <a:schemeClr val="tx1"/>
                 </a:solidFill>
               </a:rPr>
-              <a:t>listsTasks</a:t>
+              <a:t>lists_task</a:t>
             </a:r>
             <a:r>
               <a:rPr lang="en-US" altLang="ko-KR" sz="1300" b="1" dirty="0">
@@ -25093,7 +25093,7 @@
                   <a:schemeClr val="tx1"/>
                 </a:solidFill>
               </a:rPr>
-              <a:t> : List&lt;</a:t>
+              <a:t> : </a:t>
             </a:r>
             <a:r>
               <a:rPr lang="en-US" altLang="ko-KR" sz="1300" b="1" dirty="0" err="1">
@@ -25101,7 +25101,7 @@
                   <a:schemeClr val="tx1"/>
                 </a:solidFill>
               </a:rPr>
-              <a:t>ListsTask</a:t>
+              <a:t>ArrayList</a:t>
             </a:r>
             <a:r>
               <a:rPr lang="en-US" altLang="ko-KR" sz="1300" b="1" dirty="0">
@@ -25109,7 +25109,7 @@
                   <a:schemeClr val="tx1"/>
                 </a:solidFill>
               </a:rPr>
-              <a:t>&gt;</a:t>
+              <a:t>&lt;LISTS_TASK&gt;</a:t>
             </a:r>
             <a:endParaRPr lang="ko-KR" altLang="en-US" sz="1300" b="1" dirty="0">
               <a:solidFill>
@@ -25230,7 +25230,7 @@
                   <a:schemeClr val="tx1"/>
                 </a:solidFill>
               </a:rPr>
-              <a:t>Task</a:t>
+              <a:t>TASK</a:t>
             </a:r>
             <a:endParaRPr lang="en-US" altLang="ko-KR" sz="1300" b="1" dirty="0">
               <a:solidFill>
@@ -25267,65 +25267,23 @@
           </a:p>
           <a:p>
             <a:r>
-              <a:rPr lang="en-US" altLang="ko-KR" sz="1300" dirty="0" err="1">
-                <a:solidFill>
-                  <a:schemeClr val="tx1"/>
-                </a:solidFill>
-              </a:rPr>
-              <a:t>startTime</a:t>
-            </a:r>
-            <a:r>
               <a:rPr lang="en-US" altLang="ko-KR" sz="1300" dirty="0">
                 <a:solidFill>
                   <a:schemeClr val="tx1"/>
                 </a:solidFill>
               </a:rPr>
-              <a:t> : </a:t>
-            </a:r>
-            <a:r>
-              <a:rPr lang="en-US" altLang="ko-KR" sz="1300" dirty="0" err="1">
-                <a:solidFill>
-                  <a:schemeClr val="tx1"/>
-                </a:solidFill>
-              </a:rPr>
-              <a:t>LocalDateTime</a:t>
-            </a:r>
-            <a:endParaRPr lang="en-US" altLang="ko-KR" sz="1300" dirty="0">
-              <a:solidFill>
-                <a:schemeClr val="tx1"/>
-              </a:solidFill>
-            </a:endParaRPr>
-          </a:p>
-          <a:p>
-            <a:r>
-              <a:rPr lang="en-US" altLang="ko-KR" sz="1300" dirty="0" err="1">
-                <a:solidFill>
-                  <a:schemeClr val="tx1"/>
-                </a:solidFill>
-              </a:rPr>
-              <a:t>endTime</a:t>
-            </a:r>
+              <a:t>start : Datetime</a:t>
+            </a:r>
+          </a:p>
+          <a:p>
             <a:r>
               <a:rPr lang="en-US" altLang="ko-KR" sz="1300" dirty="0">
                 <a:solidFill>
                   <a:schemeClr val="tx1"/>
                 </a:solidFill>
               </a:rPr>
-              <a:t> : </a:t>
-            </a:r>
-            <a:r>
-              <a:rPr lang="en-US" altLang="ko-KR" sz="1300" dirty="0" err="1">
-                <a:solidFill>
-                  <a:schemeClr val="tx1"/>
-                </a:solidFill>
-              </a:rPr>
-              <a:t>LocalDateTime</a:t>
-            </a:r>
-            <a:endParaRPr lang="en-US" altLang="ko-KR" sz="1300" dirty="0">
-              <a:solidFill>
-                <a:schemeClr val="tx1"/>
-              </a:solidFill>
-            </a:endParaRPr>
+              <a:t>end : Datetime</a:t>
+            </a:r>
           </a:p>
           <a:p>
             <a:r>
@@ -25334,17 +25292,15 @@
                   <a:schemeClr val="tx1"/>
                 </a:solidFill>
               </a:rPr>
-              <a:t>timers : List&lt;Timer&gt;</a:t>
-            </a:r>
-          </a:p>
-          <a:p>
+              <a:t>timer : </a:t>
+            </a:r>
             <a:r>
               <a:rPr lang="en-US" altLang="ko-KR" sz="1300" b="1" dirty="0" err="1">
                 <a:solidFill>
                   <a:schemeClr val="tx1"/>
                 </a:solidFill>
               </a:rPr>
-              <a:t>taskStatus</a:t>
+              <a:t>ArrayList</a:t>
             </a:r>
             <a:r>
               <a:rPr lang="en-US" altLang="ko-KR" sz="1300" b="1" dirty="0">
@@ -25352,21 +25308,26 @@
                   <a:schemeClr val="tx1"/>
                 </a:solidFill>
               </a:rPr>
-              <a:t> : </a:t>
-            </a:r>
+              <a:t>&lt;TIMER&gt;</a:t>
+            </a:r>
+          </a:p>
+          <a:p>
             <a:r>
               <a:rPr lang="en-US" altLang="ko-KR" sz="1300" b="1" dirty="0" err="1">
                 <a:solidFill>
                   <a:schemeClr val="tx1"/>
                 </a:solidFill>
               </a:rPr>
-              <a:t>TaskStatus</a:t>
-            </a:r>
-            <a:endParaRPr lang="en-US" altLang="ko-KR" sz="1300" b="1" dirty="0">
-              <a:solidFill>
-                <a:schemeClr val="tx1"/>
-              </a:solidFill>
-            </a:endParaRPr>
+              <a:t>task_status</a:t>
+            </a:r>
+            <a:r>
+              <a:rPr lang="en-US" altLang="ko-KR" sz="1300" b="1" dirty="0">
+                <a:solidFill>
+                  <a:schemeClr val="tx1"/>
+                </a:solidFill>
+              </a:rPr>
+              <a:t> : TASK_STATUS</a:t>
+            </a:r>
           </a:p>
         </p:txBody>
       </p:sp>
@@ -25386,7 +25347,7 @@
         </p:nvCxnSpPr>
         <p:spPr>
           <a:xfrm>
-            <a:off x="10273622" y="2929889"/>
+            <a:off x="10273622" y="2967459"/>
             <a:ext cx="1810411" cy="0"/>
           </a:xfrm>
           <a:prstGeom prst="line">
@@ -25476,18 +25437,13 @@
           <a:lstStyle/>
           <a:p>
             <a:r>
-              <a:rPr lang="en-US" altLang="ko-KR" sz="1400" b="1" dirty="0" err="1">
+              <a:rPr lang="en-US" altLang="ko-KR" sz="1400" b="1" dirty="0">
                 <a:solidFill>
                   <a:schemeClr val="tx1"/>
                 </a:solidFill>
               </a:rPr>
-              <a:t>TaskStatus</a:t>
-            </a:r>
-            <a:endParaRPr lang="en-US" altLang="ko-KR" sz="1400" b="1" dirty="0">
-              <a:solidFill>
-                <a:schemeClr val="tx1"/>
-              </a:solidFill>
-            </a:endParaRPr>
+              <a:t>TASK_STATUS</a:t>
+            </a:r>
           </a:p>
           <a:p>
             <a:endParaRPr lang="en-US" altLang="ko-KR" sz="1300" dirty="0">
@@ -25508,12 +25464,22 @@
           </a:p>
           <a:p>
             <a:r>
+              <a:rPr lang="en-US" altLang="ko-KR" sz="1300" dirty="0">
+                <a:solidFill>
+                  <a:schemeClr val="tx1"/>
+                </a:solidFill>
+              </a:rPr>
+              <a:t>status : Boolean</a:t>
+            </a:r>
+          </a:p>
+          <a:p>
+            <a:r>
               <a:rPr lang="en-US" altLang="ko-KR" sz="1300" dirty="0" err="1">
                 <a:solidFill>
                   <a:schemeClr val="tx1"/>
                 </a:solidFill>
               </a:rPr>
-              <a:t>completedStatus</a:t>
+              <a:t>timer_onoff</a:t>
             </a:r>
             <a:r>
               <a:rPr lang="en-US" altLang="ko-KR" sz="1300" dirty="0">
@@ -25523,24 +25489,6 @@
               </a:rPr>
               <a:t> : Boolean</a:t>
             </a:r>
-          </a:p>
-          <a:p>
-            <a:r>
-              <a:rPr lang="en-US" altLang="ko-KR" sz="1300" dirty="0" err="1">
-                <a:solidFill>
-                  <a:schemeClr val="tx1"/>
-                </a:solidFill>
-              </a:rPr>
-              <a:t>timerOnOff</a:t>
-            </a:r>
-            <a:r>
-              <a:rPr lang="en-US" altLang="ko-KR" sz="1300" dirty="0">
-                <a:solidFill>
-                  <a:schemeClr val="tx1"/>
-                </a:solidFill>
-              </a:rPr>
-              <a:t> : Boolean</a:t>
-            </a:r>
             <a:endParaRPr lang="ko-KR" altLang="en-US" sz="1300" dirty="0">
               <a:solidFill>
                 <a:schemeClr val="tx1"/>
@@ -25601,8 +25549,8 @@
         </p:nvSpPr>
         <p:spPr>
           <a:xfrm>
-            <a:off x="10270917" y="25655"/>
-            <a:ext cx="1814286" cy="2171840"/>
+            <a:off x="10270917" y="705927"/>
+            <a:ext cx="1814286" cy="1491567"/>
           </a:xfrm>
           <a:prstGeom prst="rect">
             <a:avLst/>
@@ -25660,7 +25608,7 @@
                   <a:schemeClr val="tx1"/>
                 </a:solidFill>
               </a:rPr>
-              <a:t>Timer</a:t>
+              <a:t>TIMER</a:t>
             </a:r>
           </a:p>
           <a:p>
@@ -25687,101 +25635,38 @@
                   <a:schemeClr val="tx1"/>
                 </a:solidFill>
               </a:rPr>
-              <a:t>task : Task</a:t>
-            </a:r>
-          </a:p>
-          <a:p>
-            <a:r>
-              <a:rPr lang="en-US" altLang="ko-KR" sz="1300" dirty="0" err="1">
-                <a:solidFill>
-                  <a:schemeClr val="tx1"/>
-                </a:solidFill>
-              </a:rPr>
-              <a:t>startTime</a:t>
-            </a:r>
+              <a:t>task : TASK</a:t>
+            </a:r>
+          </a:p>
+          <a:p>
             <a:r>
               <a:rPr lang="en-US" altLang="ko-KR" sz="1300" dirty="0">
                 <a:solidFill>
                   <a:schemeClr val="tx1"/>
                 </a:solidFill>
               </a:rPr>
-              <a:t> : </a:t>
-            </a:r>
-            <a:r>
-              <a:rPr lang="en-US" altLang="ko-KR" sz="1300" dirty="0" err="1">
-                <a:solidFill>
-                  <a:schemeClr val="tx1"/>
-                </a:solidFill>
-              </a:rPr>
-              <a:t>LocalDateTime</a:t>
-            </a:r>
-            <a:endParaRPr lang="en-US" altLang="ko-KR" sz="1300" dirty="0">
-              <a:solidFill>
-                <a:schemeClr val="tx1"/>
-              </a:solidFill>
-            </a:endParaRPr>
-          </a:p>
-          <a:p>
-            <a:r>
-              <a:rPr lang="en-US" altLang="ko-KR" sz="1300" dirty="0" err="1">
-                <a:solidFill>
-                  <a:schemeClr val="tx1"/>
-                </a:solidFill>
-              </a:rPr>
-              <a:t>endTime</a:t>
-            </a:r>
+              <a:t>start : Datetime</a:t>
+            </a:r>
+          </a:p>
+          <a:p>
             <a:r>
               <a:rPr lang="en-US" altLang="ko-KR" sz="1300" dirty="0">
                 <a:solidFill>
                   <a:schemeClr val="tx1"/>
                 </a:solidFill>
               </a:rPr>
-              <a:t> : </a:t>
-            </a:r>
-            <a:r>
-              <a:rPr lang="en-US" altLang="ko-KR" sz="1300" dirty="0" err="1">
-                <a:solidFill>
-                  <a:schemeClr val="tx1"/>
-                </a:solidFill>
-              </a:rPr>
-              <a:t>LocalDateTime</a:t>
-            </a:r>
-            <a:endParaRPr lang="en-US" altLang="ko-KR" sz="1300" dirty="0">
-              <a:solidFill>
-                <a:schemeClr val="tx1"/>
-              </a:solidFill>
-            </a:endParaRPr>
-          </a:p>
-          <a:p>
-            <a:r>
-              <a:rPr lang="en-US" altLang="ko-KR" sz="1300" dirty="0" err="1">
-                <a:solidFill>
-                  <a:schemeClr val="tx1"/>
-                </a:solidFill>
-              </a:rPr>
-              <a:t>timerStatus</a:t>
-            </a:r>
+              <a:t>end : Datetime</a:t>
+            </a:r>
+          </a:p>
+          <a:p>
             <a:r>
               <a:rPr lang="en-US" altLang="ko-KR" sz="1300" dirty="0">
                 <a:solidFill>
                   <a:schemeClr val="tx1"/>
                 </a:solidFill>
               </a:rPr>
-              <a:t> : </a:t>
-            </a:r>
-            <a:r>
-              <a:rPr lang="en-US" altLang="ko-KR" sz="1300" dirty="0" err="1">
-                <a:solidFill>
-                  <a:schemeClr val="tx1"/>
-                </a:solidFill>
-              </a:rPr>
-              <a:t>TimerStatus</a:t>
-            </a:r>
-            <a:endParaRPr lang="en-US" altLang="ko-KR" sz="1300" dirty="0">
-              <a:solidFill>
-                <a:schemeClr val="tx1"/>
-              </a:solidFill>
-            </a:endParaRPr>
+              <a:t>status : Boolean</a:t>
+            </a:r>
           </a:p>
         </p:txBody>
       </p:sp>
@@ -25801,7 +25686,7 @@
         </p:nvCxnSpPr>
         <p:spPr>
           <a:xfrm>
-            <a:off x="10264286" y="457838"/>
+            <a:off x="10264286" y="1018075"/>
             <a:ext cx="1819747" cy="0"/>
           </a:xfrm>
           <a:prstGeom prst="line">
@@ -25891,18 +25776,13 @@
           <a:lstStyle/>
           <a:p>
             <a:r>
-              <a:rPr lang="en-US" altLang="ko-KR" sz="1400" b="1" dirty="0" err="1">
+              <a:rPr lang="en-US" altLang="ko-KR" sz="1400" b="1" dirty="0">
                 <a:solidFill>
                   <a:schemeClr val="tx1"/>
                 </a:solidFill>
               </a:rPr>
-              <a:t>ListsTask</a:t>
-            </a:r>
-            <a:endParaRPr lang="en-US" altLang="ko-KR" sz="1400" b="1" dirty="0">
-              <a:solidFill>
-                <a:schemeClr val="tx1"/>
-              </a:solidFill>
-            </a:endParaRPr>
+              <a:t>LISTS_TASK</a:t>
+            </a:r>
           </a:p>
           <a:p>
             <a:endParaRPr lang="en-US" altLang="ko-KR" sz="1300" dirty="0">
@@ -25928,7 +25808,7 @@
                   <a:schemeClr val="tx1"/>
                 </a:solidFill>
               </a:rPr>
-              <a:t>lists : Lists</a:t>
+              <a:t>lists : LISTS</a:t>
             </a:r>
           </a:p>
           <a:p>
@@ -25938,7 +25818,7 @@
                   <a:schemeClr val="tx1"/>
                 </a:solidFill>
               </a:rPr>
-              <a:t>task : Task</a:t>
+              <a:t>task : TASK</a:t>
             </a:r>
           </a:p>
           <a:p>
@@ -25948,7 +25828,7 @@
                   <a:schemeClr val="tx1"/>
                 </a:solidFill>
               </a:rPr>
-              <a:t>count : Integer</a:t>
+              <a:t>count : Int</a:t>
             </a:r>
             <a:endParaRPr lang="ko-KR" altLang="en-US" sz="1300" dirty="0">
               <a:solidFill>
@@ -26054,8 +25934,8 @@
         </p:nvCxnSpPr>
         <p:spPr>
           <a:xfrm flipH="1">
-            <a:off x="11176890" y="2197495"/>
-            <a:ext cx="1170" cy="315899"/>
+            <a:off x="11176890" y="2197494"/>
+            <a:ext cx="1170" cy="315900"/>
           </a:xfrm>
           <a:prstGeom prst="line">
             <a:avLst/>
@@ -27312,6 +27192,82 @@
       </p:cxnSp>
       <p:cxnSp>
         <p:nvCxnSpPr>
+          <p:cNvPr id="183" name="직선 연결선 182">
+            <a:extLst>
+              <a:ext uri="{FF2B5EF4-FFF2-40B4-BE49-F238E27FC236}">
+                <a16:creationId xmlns:a16="http://schemas.microsoft.com/office/drawing/2014/main" id="{D19EE284-D378-F7C4-02C0-AFB4EA528D5D}"/>
+              </a:ext>
+            </a:extLst>
+          </p:cNvPr>
+          <p:cNvCxnSpPr>
+            <a:cxnSpLocks/>
+          </p:cNvCxnSpPr>
+          <p:nvPr/>
+        </p:nvCxnSpPr>
+        <p:spPr>
+          <a:xfrm>
+            <a:off x="6044647" y="4618753"/>
+            <a:ext cx="53355" cy="193379"/>
+          </a:xfrm>
+          <a:prstGeom prst="line">
+            <a:avLst/>
+          </a:prstGeom>
+        </p:spPr>
+        <p:style>
+          <a:lnRef idx="3">
+            <a:schemeClr val="dk1"/>
+          </a:lnRef>
+          <a:fillRef idx="0">
+            <a:schemeClr val="dk1"/>
+          </a:fillRef>
+          <a:effectRef idx="2">
+            <a:schemeClr val="dk1"/>
+          </a:effectRef>
+          <a:fontRef idx="minor">
+            <a:schemeClr val="tx1"/>
+          </a:fontRef>
+        </p:style>
+      </p:cxnSp>
+      <p:cxnSp>
+        <p:nvCxnSpPr>
+          <p:cNvPr id="184" name="직선 연결선 183">
+            <a:extLst>
+              <a:ext uri="{FF2B5EF4-FFF2-40B4-BE49-F238E27FC236}">
+                <a16:creationId xmlns:a16="http://schemas.microsoft.com/office/drawing/2014/main" id="{B608E9D5-227C-D350-C204-27EFB082A1E0}"/>
+              </a:ext>
+            </a:extLst>
+          </p:cNvPr>
+          <p:cNvCxnSpPr>
+            <a:cxnSpLocks/>
+          </p:cNvCxnSpPr>
+          <p:nvPr/>
+        </p:nvCxnSpPr>
+        <p:spPr>
+          <a:xfrm flipV="1">
+            <a:off x="5975627" y="4618753"/>
+            <a:ext cx="69020" cy="193379"/>
+          </a:xfrm>
+          <a:prstGeom prst="line">
+            <a:avLst/>
+          </a:prstGeom>
+        </p:spPr>
+        <p:style>
+          <a:lnRef idx="3">
+            <a:schemeClr val="dk1"/>
+          </a:lnRef>
+          <a:fillRef idx="0">
+            <a:schemeClr val="dk1"/>
+          </a:fillRef>
+          <a:effectRef idx="2">
+            <a:schemeClr val="dk1"/>
+          </a:effectRef>
+          <a:fontRef idx="minor">
+            <a:schemeClr val="tx1"/>
+          </a:fontRef>
+        </p:style>
+      </p:cxnSp>
+      <p:cxnSp>
+        <p:nvCxnSpPr>
           <p:cNvPr id="192" name="직선 연결선 191">
             <a:extLst>
               <a:ext uri="{FF2B5EF4-FFF2-40B4-BE49-F238E27FC236}">
@@ -27518,82 +27474,6 @@
           <a:xfrm flipV="1">
             <a:off x="10122527" y="3596580"/>
             <a:ext cx="148390" cy="43847"/>
-          </a:xfrm>
-          <a:prstGeom prst="line">
-            <a:avLst/>
-          </a:prstGeom>
-        </p:spPr>
-        <p:style>
-          <a:lnRef idx="3">
-            <a:schemeClr val="dk1"/>
-          </a:lnRef>
-          <a:fillRef idx="0">
-            <a:schemeClr val="dk1"/>
-          </a:fillRef>
-          <a:effectRef idx="2">
-            <a:schemeClr val="dk1"/>
-          </a:effectRef>
-          <a:fontRef idx="minor">
-            <a:schemeClr val="tx1"/>
-          </a:fontRef>
-        </p:style>
-      </p:cxnSp>
-      <p:cxnSp>
-        <p:nvCxnSpPr>
-          <p:cNvPr id="35" name="직선 연결선 34">
-            <a:extLst>
-              <a:ext uri="{FF2B5EF4-FFF2-40B4-BE49-F238E27FC236}">
-                <a16:creationId xmlns:a16="http://schemas.microsoft.com/office/drawing/2014/main" id="{6BCD6961-91FA-4927-C7D9-EC704F45599B}"/>
-              </a:ext>
-            </a:extLst>
-          </p:cNvPr>
-          <p:cNvCxnSpPr>
-            <a:cxnSpLocks/>
-          </p:cNvCxnSpPr>
-          <p:nvPr/>
-        </p:nvCxnSpPr>
-        <p:spPr>
-          <a:xfrm flipV="1">
-            <a:off x="6058437" y="5471246"/>
-            <a:ext cx="62870" cy="179135"/>
-          </a:xfrm>
-          <a:prstGeom prst="line">
-            <a:avLst/>
-          </a:prstGeom>
-        </p:spPr>
-        <p:style>
-          <a:lnRef idx="3">
-            <a:schemeClr val="dk1"/>
-          </a:lnRef>
-          <a:fillRef idx="0">
-            <a:schemeClr val="dk1"/>
-          </a:fillRef>
-          <a:effectRef idx="2">
-            <a:schemeClr val="dk1"/>
-          </a:effectRef>
-          <a:fontRef idx="minor">
-            <a:schemeClr val="tx1"/>
-          </a:fontRef>
-        </p:style>
-      </p:cxnSp>
-      <p:cxnSp>
-        <p:nvCxnSpPr>
-          <p:cNvPr id="36" name="직선 연결선 35">
-            <a:extLst>
-              <a:ext uri="{FF2B5EF4-FFF2-40B4-BE49-F238E27FC236}">
-                <a16:creationId xmlns:a16="http://schemas.microsoft.com/office/drawing/2014/main" id="{17825824-EEE5-5900-514C-B5E19A85A43E}"/>
-              </a:ext>
-            </a:extLst>
-          </p:cNvPr>
-          <p:cNvCxnSpPr>
-            <a:cxnSpLocks/>
-          </p:cNvCxnSpPr>
-          <p:nvPr/>
-        </p:nvCxnSpPr>
-        <p:spPr>
-          <a:xfrm>
-            <a:off x="5997206" y="5471246"/>
-            <a:ext cx="62870" cy="179135"/>
           </a:xfrm>
           <a:prstGeom prst="line">
             <a:avLst/>
@@ -27737,7 +27617,7 @@
           <p:cNvPr id="6" name="그림 5">
             <a:extLst>
               <a:ext uri="{FF2B5EF4-FFF2-40B4-BE49-F238E27FC236}">
-                <a16:creationId xmlns:a16="http://schemas.microsoft.com/office/drawing/2014/main" id="{73B85BC9-3F7D-8163-19BA-6A5B532A33F2}"/>
+                <a16:creationId xmlns:a16="http://schemas.microsoft.com/office/drawing/2014/main" id="{BB522715-3F01-BDEF-D00A-ED35CE1A7BA0}"/>
               </a:ext>
             </a:extLst>
           </p:cNvPr>
@@ -27754,8 +27634,8 @@
         </p:blipFill>
         <p:spPr>
           <a:xfrm>
-            <a:off x="0" y="1228726"/>
-            <a:ext cx="12192000" cy="4814888"/>
+            <a:off x="279919" y="1215299"/>
+            <a:ext cx="11682472" cy="5082980"/>
           </a:xfrm>
           <a:prstGeom prst="rect">
             <a:avLst/>
